--- a/evals-and-rec/Presentation/Presentation.pptx
+++ b/evals-and-rec/Presentation/Presentation.pptx
@@ -12,6 +12,8 @@
     <p:sldId id="260" r:id="rId6"/>
     <p:sldId id="261" r:id="rId7"/>
     <p:sldId id="262" r:id="rId8"/>
+    <p:sldId id="263" r:id="rId9"/>
+    <p:sldId id="264" r:id="rId10"/>
   </p:sldIdLst>
   <p:sldSz cx="9144000" cy="6858000" type="screen4x3"/>
   <p:notesSz cx="6858000" cy="9144000"/>
@@ -4010,7 +4012,31 @@
           <a:bodyPr/>
           <a:lstStyle/>
           <a:p>
-            <a:endParaRPr lang="en-US"/>
+            <a:r>
+              <a:rPr lang="en-US" dirty="0" smtClean="0"/>
+              <a:t>Easy to add expenses</a:t>
+            </a:r>
+          </a:p>
+          <a:p>
+            <a:r>
+              <a:rPr lang="en-US" dirty="0" smtClean="0"/>
+              <a:t>Easy to view spending</a:t>
+            </a:r>
+          </a:p>
+          <a:p>
+            <a:r>
+              <a:rPr lang="en-US" dirty="0" smtClean="0"/>
+              <a:t>More in depth data</a:t>
+            </a:r>
+          </a:p>
+          <a:p>
+            <a:r>
+              <a:rPr lang="en-US" dirty="0" smtClean="0"/>
+              <a:t>More customizable</a:t>
+            </a:r>
+          </a:p>
+          <a:p>
+            <a:endParaRPr lang="en-US" dirty="0" smtClean="0"/>
           </a:p>
         </p:txBody>
       </p:sp>
@@ -4018,6 +4044,147 @@
     <p:extLst>
       <p:ext uri="{BB962C8B-B14F-4D97-AF65-F5344CB8AC3E}">
         <p14:creationId xmlns:p14="http://schemas.microsoft.com/office/powerpoint/2010/main" val="175615589"/>
+      </p:ext>
+    </p:extLst>
+  </p:cSld>
+  <p:clrMapOvr>
+    <a:masterClrMapping/>
+  </p:clrMapOvr>
+</p:sld>
+</file>
+
+<file path=ppt/slides/slide8.xml><?xml version="1.0" encoding="utf-8"?>
+<p:sld xmlns:a="http://schemas.openxmlformats.org/drawingml/2006/main" xmlns:r="http://schemas.openxmlformats.org/officeDocument/2006/relationships" xmlns:p="http://schemas.openxmlformats.org/presentationml/2006/main">
+  <p:cSld>
+    <p:spTree>
+      <p:nvGrpSpPr>
+        <p:cNvPr id="1" name=""/>
+        <p:cNvGrpSpPr/>
+        <p:nvPr/>
+      </p:nvGrpSpPr>
+      <p:grpSpPr>
+        <a:xfrm>
+          <a:off x="0" y="0"/>
+          <a:ext cx="0" cy="0"/>
+          <a:chOff x="0" y="0"/>
+          <a:chExt cx="0" cy="0"/>
+        </a:xfrm>
+      </p:grpSpPr>
+      <p:sp>
+        <p:nvSpPr>
+          <p:cNvPr id="2" name="Title 1"/>
+          <p:cNvSpPr>
+            <a:spLocks noGrp="1"/>
+          </p:cNvSpPr>
+          <p:nvPr>
+            <p:ph type="title"/>
+          </p:nvPr>
+        </p:nvSpPr>
+        <p:spPr/>
+        <p:txBody>
+          <a:bodyPr/>
+          <a:lstStyle/>
+          <a:p>
+            <a:r>
+              <a:rPr lang="en-US" dirty="0" smtClean="0"/>
+              <a:t>Final recommendations</a:t>
+            </a:r>
+            <a:endParaRPr lang="en-US" dirty="0"/>
+          </a:p>
+        </p:txBody>
+      </p:sp>
+      <p:sp>
+        <p:nvSpPr>
+          <p:cNvPr id="3" name="Content Placeholder 2"/>
+          <p:cNvSpPr>
+            <a:spLocks noGrp="1"/>
+          </p:cNvSpPr>
+          <p:nvPr>
+            <p:ph idx="1"/>
+          </p:nvPr>
+        </p:nvSpPr>
+        <p:spPr/>
+        <p:txBody>
+          <a:bodyPr/>
+          <a:lstStyle/>
+          <a:p>
+            <a:r>
+              <a:rPr lang="en-US" dirty="0" smtClean="0"/>
+              <a:t>Valid approach with some minor tweaks</a:t>
+            </a:r>
+          </a:p>
+          <a:p>
+            <a:pPr marL="0" indent="0">
+              <a:buNone/>
+            </a:pPr>
+            <a:endParaRPr lang="en-US" dirty="0"/>
+          </a:p>
+        </p:txBody>
+      </p:sp>
+    </p:spTree>
+    <p:extLst>
+      <p:ext uri="{BB962C8B-B14F-4D97-AF65-F5344CB8AC3E}">
+        <p14:creationId xmlns:p14="http://schemas.microsoft.com/office/powerpoint/2010/main" val="463754024"/>
+      </p:ext>
+    </p:extLst>
+  </p:cSld>
+  <p:clrMapOvr>
+    <a:masterClrMapping/>
+  </p:clrMapOvr>
+</p:sld>
+</file>
+
+<file path=ppt/slides/slide9.xml><?xml version="1.0" encoding="utf-8"?>
+<p:sld xmlns:a="http://schemas.openxmlformats.org/drawingml/2006/main" xmlns:r="http://schemas.openxmlformats.org/officeDocument/2006/relationships" xmlns:p="http://schemas.openxmlformats.org/presentationml/2006/main">
+  <p:cSld>
+    <p:spTree>
+      <p:nvGrpSpPr>
+        <p:cNvPr id="1" name=""/>
+        <p:cNvGrpSpPr/>
+        <p:nvPr/>
+      </p:nvGrpSpPr>
+      <p:grpSpPr>
+        <a:xfrm>
+          <a:off x="0" y="0"/>
+          <a:ext cx="0" cy="0"/>
+          <a:chOff x="0" y="0"/>
+          <a:chExt cx="0" cy="0"/>
+        </a:xfrm>
+      </p:grpSpPr>
+      <p:sp>
+        <p:nvSpPr>
+          <p:cNvPr id="2" name="TextBox 1"/>
+          <p:cNvSpPr txBox="1"/>
+          <p:nvPr/>
+        </p:nvSpPr>
+        <p:spPr>
+          <a:xfrm>
+            <a:off x="3439748" y="2976706"/>
+            <a:ext cx="2264504" cy="584776"/>
+          </a:xfrm>
+          <a:prstGeom prst="rect">
+            <a:avLst/>
+          </a:prstGeom>
+          <a:noFill/>
+        </p:spPr>
+        <p:txBody>
+          <a:bodyPr wrap="square" rtlCol="0">
+            <a:spAutoFit/>
+          </a:bodyPr>
+          <a:lstStyle/>
+          <a:p>
+            <a:r>
+              <a:rPr lang="en-US" sz="3200" dirty="0" smtClean="0"/>
+              <a:t>Questions?</a:t>
+            </a:r>
+            <a:endParaRPr lang="en-US" sz="3200" dirty="0"/>
+          </a:p>
+        </p:txBody>
+      </p:sp>
+    </p:spTree>
+    <p:extLst>
+      <p:ext uri="{BB962C8B-B14F-4D97-AF65-F5344CB8AC3E}">
+        <p14:creationId xmlns:p14="http://schemas.microsoft.com/office/powerpoint/2010/main" val="3349580380"/>
       </p:ext>
     </p:extLst>
   </p:cSld>

--- a/evals-and-rec/Presentation/Presentation.pptx
+++ b/evals-and-rec/Presentation/Presentation.pptx
@@ -4,16 +4,20 @@
   <p:sldMasterIdLst>
     <p:sldMasterId id="2147483960" r:id="rId1"/>
   </p:sldMasterIdLst>
+  <p:notesMasterIdLst>
+    <p:notesMasterId r:id="rId12"/>
+  </p:notesMasterIdLst>
   <p:sldIdLst>
     <p:sldId id="256" r:id="rId2"/>
     <p:sldId id="257" r:id="rId3"/>
-    <p:sldId id="258" r:id="rId4"/>
-    <p:sldId id="259" r:id="rId5"/>
-    <p:sldId id="260" r:id="rId6"/>
-    <p:sldId id="261" r:id="rId7"/>
-    <p:sldId id="262" r:id="rId8"/>
-    <p:sldId id="263" r:id="rId9"/>
-    <p:sldId id="264" r:id="rId10"/>
+    <p:sldId id="265" r:id="rId4"/>
+    <p:sldId id="258" r:id="rId5"/>
+    <p:sldId id="259" r:id="rId6"/>
+    <p:sldId id="260" r:id="rId7"/>
+    <p:sldId id="261" r:id="rId8"/>
+    <p:sldId id="262" r:id="rId9"/>
+    <p:sldId id="263" r:id="rId10"/>
+    <p:sldId id="264" r:id="rId11"/>
   </p:sldIdLst>
   <p:sldSz cx="9144000" cy="6858000" type="screen4x3"/>
   <p:notesSz cx="6858000" cy="9144000"/>
@@ -112,7 +116,606 @@
       </a:defRPr>
     </a:lvl9pPr>
   </p:defaultTextStyle>
+  <p:extLst>
+    <p:ext uri="{EFAFB233-063F-42B5-8137-9DF3F51BA10A}">
+      <p15:sldGuideLst xmlns:p15="http://schemas.microsoft.com/office/powerpoint/2012/main">
+        <p15:guide id="1" orient="horz" pos="2160">
+          <p15:clr>
+            <a:srgbClr val="A4A3A4"/>
+          </p15:clr>
+        </p15:guide>
+        <p15:guide id="2" pos="2880">
+          <p15:clr>
+            <a:srgbClr val="A4A3A4"/>
+          </p15:clr>
+        </p15:guide>
+      </p15:sldGuideLst>
+    </p:ext>
+  </p:extLst>
 </p:presentation>
+</file>
+
+<file path=ppt/notesMasters/notesMaster1.xml><?xml version="1.0" encoding="utf-8"?>
+<p:notesMaster xmlns:a="http://schemas.openxmlformats.org/drawingml/2006/main" xmlns:r="http://schemas.openxmlformats.org/officeDocument/2006/relationships" xmlns:p="http://schemas.openxmlformats.org/presentationml/2006/main">
+  <p:cSld>
+    <p:bg>
+      <p:bgRef idx="1001">
+        <a:schemeClr val="bg1"/>
+      </p:bgRef>
+    </p:bg>
+    <p:spTree>
+      <p:nvGrpSpPr>
+        <p:cNvPr id="1" name=""/>
+        <p:cNvGrpSpPr/>
+        <p:nvPr/>
+      </p:nvGrpSpPr>
+      <p:grpSpPr>
+        <a:xfrm>
+          <a:off x="0" y="0"/>
+          <a:ext cx="0" cy="0"/>
+          <a:chOff x="0" y="0"/>
+          <a:chExt cx="0" cy="0"/>
+        </a:xfrm>
+      </p:grpSpPr>
+      <p:sp>
+        <p:nvSpPr>
+          <p:cNvPr id="2" name="Header Placeholder 1"/>
+          <p:cNvSpPr>
+            <a:spLocks noGrp="1"/>
+          </p:cNvSpPr>
+          <p:nvPr>
+            <p:ph type="hdr" sz="quarter"/>
+          </p:nvPr>
+        </p:nvSpPr>
+        <p:spPr>
+          <a:xfrm>
+            <a:off x="0" y="0"/>
+            <a:ext cx="2971800" cy="458788"/>
+          </a:xfrm>
+          <a:prstGeom prst="rect">
+            <a:avLst/>
+          </a:prstGeom>
+        </p:spPr>
+        <p:txBody>
+          <a:bodyPr vert="horz" lIns="91440" tIns="45720" rIns="91440" bIns="45720" rtlCol="0"/>
+          <a:lstStyle>
+            <a:lvl1pPr algn="l">
+              <a:defRPr sz="1200"/>
+            </a:lvl1pPr>
+          </a:lstStyle>
+          <a:p>
+            <a:endParaRPr lang="en-CA"/>
+          </a:p>
+        </p:txBody>
+      </p:sp>
+      <p:sp>
+        <p:nvSpPr>
+          <p:cNvPr id="3" name="Date Placeholder 2"/>
+          <p:cNvSpPr>
+            <a:spLocks noGrp="1"/>
+          </p:cNvSpPr>
+          <p:nvPr>
+            <p:ph type="dt" idx="1"/>
+          </p:nvPr>
+        </p:nvSpPr>
+        <p:spPr>
+          <a:xfrm>
+            <a:off x="3884613" y="0"/>
+            <a:ext cx="2971800" cy="458788"/>
+          </a:xfrm>
+          <a:prstGeom prst="rect">
+            <a:avLst/>
+          </a:prstGeom>
+        </p:spPr>
+        <p:txBody>
+          <a:bodyPr vert="horz" lIns="91440" tIns="45720" rIns="91440" bIns="45720" rtlCol="0"/>
+          <a:lstStyle>
+            <a:lvl1pPr algn="r">
+              <a:defRPr sz="1200"/>
+            </a:lvl1pPr>
+          </a:lstStyle>
+          <a:p>
+            <a:fld id="{E09DD6E0-6E55-45C6-A867-1065420E50BA}" type="datetimeFigureOut">
+              <a:rPr lang="en-CA" smtClean="0"/>
+              <a:t>2016-12-05</a:t>
+            </a:fld>
+            <a:endParaRPr lang="en-CA"/>
+          </a:p>
+        </p:txBody>
+      </p:sp>
+      <p:sp>
+        <p:nvSpPr>
+          <p:cNvPr id="4" name="Slide Image Placeholder 3"/>
+          <p:cNvSpPr>
+            <a:spLocks noGrp="1" noRot="1" noChangeAspect="1"/>
+          </p:cNvSpPr>
+          <p:nvPr>
+            <p:ph type="sldImg" idx="2"/>
+          </p:nvPr>
+        </p:nvSpPr>
+        <p:spPr>
+          <a:xfrm>
+            <a:off x="1371600" y="1143000"/>
+            <a:ext cx="4114800" cy="3086100"/>
+          </a:xfrm>
+          <a:prstGeom prst="rect">
+            <a:avLst/>
+          </a:prstGeom>
+          <a:noFill/>
+          <a:ln w="12700">
+            <a:solidFill>
+              <a:prstClr val="black"/>
+            </a:solidFill>
+          </a:ln>
+        </p:spPr>
+        <p:txBody>
+          <a:bodyPr vert="horz" lIns="91440" tIns="45720" rIns="91440" bIns="45720" rtlCol="0" anchor="ctr"/>
+          <a:lstStyle/>
+          <a:p>
+            <a:endParaRPr lang="en-CA"/>
+          </a:p>
+        </p:txBody>
+      </p:sp>
+      <p:sp>
+        <p:nvSpPr>
+          <p:cNvPr id="5" name="Notes Placeholder 4"/>
+          <p:cNvSpPr>
+            <a:spLocks noGrp="1"/>
+          </p:cNvSpPr>
+          <p:nvPr>
+            <p:ph type="body" sz="quarter" idx="3"/>
+          </p:nvPr>
+        </p:nvSpPr>
+        <p:spPr>
+          <a:xfrm>
+            <a:off x="685800" y="4400550"/>
+            <a:ext cx="5486400" cy="3600450"/>
+          </a:xfrm>
+          <a:prstGeom prst="rect">
+            <a:avLst/>
+          </a:prstGeom>
+        </p:spPr>
+        <p:txBody>
+          <a:bodyPr vert="horz" lIns="91440" tIns="45720" rIns="91440" bIns="45720" rtlCol="0"/>
+          <a:lstStyle/>
+          <a:p>
+            <a:pPr lvl="0"/>
+            <a:r>
+              <a:rPr lang="en-US"/>
+              <a:t>Edit Master text styles</a:t>
+            </a:r>
+          </a:p>
+          <a:p>
+            <a:pPr lvl="1"/>
+            <a:r>
+              <a:rPr lang="en-US"/>
+              <a:t>Second level</a:t>
+            </a:r>
+          </a:p>
+          <a:p>
+            <a:pPr lvl="2"/>
+            <a:r>
+              <a:rPr lang="en-US"/>
+              <a:t>Third level</a:t>
+            </a:r>
+          </a:p>
+          <a:p>
+            <a:pPr lvl="3"/>
+            <a:r>
+              <a:rPr lang="en-US"/>
+              <a:t>Fourth level</a:t>
+            </a:r>
+          </a:p>
+          <a:p>
+            <a:pPr lvl="4"/>
+            <a:r>
+              <a:rPr lang="en-US"/>
+              <a:t>Fifth level</a:t>
+            </a:r>
+            <a:endParaRPr lang="en-CA"/>
+          </a:p>
+        </p:txBody>
+      </p:sp>
+      <p:sp>
+        <p:nvSpPr>
+          <p:cNvPr id="6" name="Footer Placeholder 5"/>
+          <p:cNvSpPr>
+            <a:spLocks noGrp="1"/>
+          </p:cNvSpPr>
+          <p:nvPr>
+            <p:ph type="ftr" sz="quarter" idx="4"/>
+          </p:nvPr>
+        </p:nvSpPr>
+        <p:spPr>
+          <a:xfrm>
+            <a:off x="0" y="8685213"/>
+            <a:ext cx="2971800" cy="458787"/>
+          </a:xfrm>
+          <a:prstGeom prst="rect">
+            <a:avLst/>
+          </a:prstGeom>
+        </p:spPr>
+        <p:txBody>
+          <a:bodyPr vert="horz" lIns="91440" tIns="45720" rIns="91440" bIns="45720" rtlCol="0" anchor="b"/>
+          <a:lstStyle>
+            <a:lvl1pPr algn="l">
+              <a:defRPr sz="1200"/>
+            </a:lvl1pPr>
+          </a:lstStyle>
+          <a:p>
+            <a:endParaRPr lang="en-CA"/>
+          </a:p>
+        </p:txBody>
+      </p:sp>
+      <p:sp>
+        <p:nvSpPr>
+          <p:cNvPr id="7" name="Slide Number Placeholder 6"/>
+          <p:cNvSpPr>
+            <a:spLocks noGrp="1"/>
+          </p:cNvSpPr>
+          <p:nvPr>
+            <p:ph type="sldNum" sz="quarter" idx="5"/>
+          </p:nvPr>
+        </p:nvSpPr>
+        <p:spPr>
+          <a:xfrm>
+            <a:off x="3884613" y="8685213"/>
+            <a:ext cx="2971800" cy="458787"/>
+          </a:xfrm>
+          <a:prstGeom prst="rect">
+            <a:avLst/>
+          </a:prstGeom>
+        </p:spPr>
+        <p:txBody>
+          <a:bodyPr vert="horz" lIns="91440" tIns="45720" rIns="91440" bIns="45720" rtlCol="0" anchor="b"/>
+          <a:lstStyle>
+            <a:lvl1pPr algn="r">
+              <a:defRPr sz="1200"/>
+            </a:lvl1pPr>
+          </a:lstStyle>
+          <a:p>
+            <a:fld id="{535A0029-8799-4F5D-9E3E-ABDEFB5C8063}" type="slidenum">
+              <a:rPr lang="en-CA" smtClean="0"/>
+              <a:t>‹#›</a:t>
+            </a:fld>
+            <a:endParaRPr lang="en-CA"/>
+          </a:p>
+        </p:txBody>
+      </p:sp>
+    </p:spTree>
+    <p:extLst>
+      <p:ext uri="{BB962C8B-B14F-4D97-AF65-F5344CB8AC3E}">
+        <p14:creationId xmlns:p14="http://schemas.microsoft.com/office/powerpoint/2010/main" val="2138523760"/>
+      </p:ext>
+    </p:extLst>
+  </p:cSld>
+  <p:clrMap bg1="lt1" tx1="dk1" bg2="lt2" tx2="dk2" accent1="accent1" accent2="accent2" accent3="accent3" accent4="accent4" accent5="accent5" accent6="accent6" hlink="hlink" folHlink="folHlink"/>
+  <p:notesStyle>
+    <a:lvl1pPr marL="0" algn="l" defTabSz="914400" rtl="0" eaLnBrk="1" latinLnBrk="0" hangingPunct="1">
+      <a:defRPr sz="1200" kern="1200">
+        <a:solidFill>
+          <a:schemeClr val="tx1"/>
+        </a:solidFill>
+        <a:latin typeface="+mn-lt"/>
+        <a:ea typeface="+mn-ea"/>
+        <a:cs typeface="+mn-cs"/>
+      </a:defRPr>
+    </a:lvl1pPr>
+    <a:lvl2pPr marL="457200" algn="l" defTabSz="914400" rtl="0" eaLnBrk="1" latinLnBrk="0" hangingPunct="1">
+      <a:defRPr sz="1200" kern="1200">
+        <a:solidFill>
+          <a:schemeClr val="tx1"/>
+        </a:solidFill>
+        <a:latin typeface="+mn-lt"/>
+        <a:ea typeface="+mn-ea"/>
+        <a:cs typeface="+mn-cs"/>
+      </a:defRPr>
+    </a:lvl2pPr>
+    <a:lvl3pPr marL="914400" algn="l" defTabSz="914400" rtl="0" eaLnBrk="1" latinLnBrk="0" hangingPunct="1">
+      <a:defRPr sz="1200" kern="1200">
+        <a:solidFill>
+          <a:schemeClr val="tx1"/>
+        </a:solidFill>
+        <a:latin typeface="+mn-lt"/>
+        <a:ea typeface="+mn-ea"/>
+        <a:cs typeface="+mn-cs"/>
+      </a:defRPr>
+    </a:lvl3pPr>
+    <a:lvl4pPr marL="1371600" algn="l" defTabSz="914400" rtl="0" eaLnBrk="1" latinLnBrk="0" hangingPunct="1">
+      <a:defRPr sz="1200" kern="1200">
+        <a:solidFill>
+          <a:schemeClr val="tx1"/>
+        </a:solidFill>
+        <a:latin typeface="+mn-lt"/>
+        <a:ea typeface="+mn-ea"/>
+        <a:cs typeface="+mn-cs"/>
+      </a:defRPr>
+    </a:lvl4pPr>
+    <a:lvl5pPr marL="1828800" algn="l" defTabSz="914400" rtl="0" eaLnBrk="1" latinLnBrk="0" hangingPunct="1">
+      <a:defRPr sz="1200" kern="1200">
+        <a:solidFill>
+          <a:schemeClr val="tx1"/>
+        </a:solidFill>
+        <a:latin typeface="+mn-lt"/>
+        <a:ea typeface="+mn-ea"/>
+        <a:cs typeface="+mn-cs"/>
+      </a:defRPr>
+    </a:lvl5pPr>
+    <a:lvl6pPr marL="2286000" algn="l" defTabSz="914400" rtl="0" eaLnBrk="1" latinLnBrk="0" hangingPunct="1">
+      <a:defRPr sz="1200" kern="1200">
+        <a:solidFill>
+          <a:schemeClr val="tx1"/>
+        </a:solidFill>
+        <a:latin typeface="+mn-lt"/>
+        <a:ea typeface="+mn-ea"/>
+        <a:cs typeface="+mn-cs"/>
+      </a:defRPr>
+    </a:lvl6pPr>
+    <a:lvl7pPr marL="2743200" algn="l" defTabSz="914400" rtl="0" eaLnBrk="1" latinLnBrk="0" hangingPunct="1">
+      <a:defRPr sz="1200" kern="1200">
+        <a:solidFill>
+          <a:schemeClr val="tx1"/>
+        </a:solidFill>
+        <a:latin typeface="+mn-lt"/>
+        <a:ea typeface="+mn-ea"/>
+        <a:cs typeface="+mn-cs"/>
+      </a:defRPr>
+    </a:lvl7pPr>
+    <a:lvl8pPr marL="3200400" algn="l" defTabSz="914400" rtl="0" eaLnBrk="1" latinLnBrk="0" hangingPunct="1">
+      <a:defRPr sz="1200" kern="1200">
+        <a:solidFill>
+          <a:schemeClr val="tx1"/>
+        </a:solidFill>
+        <a:latin typeface="+mn-lt"/>
+        <a:ea typeface="+mn-ea"/>
+        <a:cs typeface="+mn-cs"/>
+      </a:defRPr>
+    </a:lvl8pPr>
+    <a:lvl9pPr marL="3657600" algn="l" defTabSz="914400" rtl="0" eaLnBrk="1" latinLnBrk="0" hangingPunct="1">
+      <a:defRPr sz="1200" kern="1200">
+        <a:solidFill>
+          <a:schemeClr val="tx1"/>
+        </a:solidFill>
+        <a:latin typeface="+mn-lt"/>
+        <a:ea typeface="+mn-ea"/>
+        <a:cs typeface="+mn-cs"/>
+      </a:defRPr>
+    </a:lvl9pPr>
+  </p:notesStyle>
+</p:notesMaster>
+</file>
+
+<file path=ppt/notesSlides/notesSlide1.xml><?xml version="1.0" encoding="utf-8"?>
+<p:notes xmlns:a="http://schemas.openxmlformats.org/drawingml/2006/main" xmlns:r="http://schemas.openxmlformats.org/officeDocument/2006/relationships" xmlns:p="http://schemas.openxmlformats.org/presentationml/2006/main">
+  <p:cSld>
+    <p:spTree>
+      <p:nvGrpSpPr>
+        <p:cNvPr id="1" name=""/>
+        <p:cNvGrpSpPr/>
+        <p:nvPr/>
+      </p:nvGrpSpPr>
+      <p:grpSpPr>
+        <a:xfrm>
+          <a:off x="0" y="0"/>
+          <a:ext cx="0" cy="0"/>
+          <a:chOff x="0" y="0"/>
+          <a:chExt cx="0" cy="0"/>
+        </a:xfrm>
+      </p:grpSpPr>
+      <p:sp>
+        <p:nvSpPr>
+          <p:cNvPr id="2" name="Slide Image Placeholder 1"/>
+          <p:cNvSpPr>
+            <a:spLocks noGrp="1" noRot="1" noChangeAspect="1"/>
+          </p:cNvSpPr>
+          <p:nvPr>
+            <p:ph type="sldImg"/>
+          </p:nvPr>
+        </p:nvSpPr>
+        <p:spPr/>
+      </p:sp>
+      <p:sp>
+        <p:nvSpPr>
+          <p:cNvPr id="3" name="Notes Placeholder 2"/>
+          <p:cNvSpPr>
+            <a:spLocks noGrp="1"/>
+          </p:cNvSpPr>
+          <p:nvPr>
+            <p:ph type="body" idx="1"/>
+          </p:nvPr>
+        </p:nvSpPr>
+        <p:spPr/>
+        <p:txBody>
+          <a:bodyPr/>
+          <a:lstStyle/>
+          <a:p>
+            <a:r>
+              <a:rPr lang="en-CA" dirty="0"/>
+              <a:t>Each did 10 by 10</a:t>
+            </a:r>
+          </a:p>
+          <a:p>
+            <a:r>
+              <a:rPr lang="en-CA" dirty="0"/>
+              <a:t>Different low-fidelity prototypes</a:t>
+            </a:r>
+            <a:r>
+              <a:rPr lang="en-CA" baseline="0" dirty="0"/>
+              <a:t> for mobile and desktop</a:t>
+            </a:r>
+          </a:p>
+          <a:p>
+            <a:r>
+              <a:rPr lang="en-CA" baseline="0" dirty="0"/>
+              <a:t>Cognitive walkthrough to evaluate</a:t>
+            </a:r>
+          </a:p>
+          <a:p>
+            <a:r>
+              <a:rPr lang="en-CA" baseline="0" dirty="0"/>
+              <a:t>Results: inputs looked like buttons, flow wasn’t as easy as thought, no cancel button</a:t>
+            </a:r>
+            <a:endParaRPr lang="en-CA" dirty="0"/>
+          </a:p>
+        </p:txBody>
+      </p:sp>
+      <p:sp>
+        <p:nvSpPr>
+          <p:cNvPr id="4" name="Slide Number Placeholder 3"/>
+          <p:cNvSpPr>
+            <a:spLocks noGrp="1"/>
+          </p:cNvSpPr>
+          <p:nvPr>
+            <p:ph type="sldNum" sz="quarter" idx="10"/>
+          </p:nvPr>
+        </p:nvSpPr>
+        <p:spPr/>
+        <p:txBody>
+          <a:bodyPr/>
+          <a:lstStyle/>
+          <a:p>
+            <a:fld id="{535A0029-8799-4F5D-9E3E-ABDEFB5C8063}" type="slidenum">
+              <a:rPr lang="en-CA" smtClean="0"/>
+              <a:t>3</a:t>
+            </a:fld>
+            <a:endParaRPr lang="en-CA"/>
+          </a:p>
+        </p:txBody>
+      </p:sp>
+    </p:spTree>
+    <p:extLst>
+      <p:ext uri="{BB962C8B-B14F-4D97-AF65-F5344CB8AC3E}">
+        <p14:creationId xmlns:p14="http://schemas.microsoft.com/office/powerpoint/2010/main" val="1272738295"/>
+      </p:ext>
+    </p:extLst>
+  </p:cSld>
+  <p:clrMapOvr>
+    <a:masterClrMapping/>
+  </p:clrMapOvr>
+</p:notes>
+</file>
+
+<file path=ppt/notesSlides/notesSlide2.xml><?xml version="1.0" encoding="utf-8"?>
+<p:notes xmlns:a="http://schemas.openxmlformats.org/drawingml/2006/main" xmlns:r="http://schemas.openxmlformats.org/officeDocument/2006/relationships" xmlns:p="http://schemas.openxmlformats.org/presentationml/2006/main">
+  <p:cSld>
+    <p:spTree>
+      <p:nvGrpSpPr>
+        <p:cNvPr id="1" name=""/>
+        <p:cNvGrpSpPr/>
+        <p:nvPr/>
+      </p:nvGrpSpPr>
+      <p:grpSpPr>
+        <a:xfrm>
+          <a:off x="0" y="0"/>
+          <a:ext cx="0" cy="0"/>
+          <a:chOff x="0" y="0"/>
+          <a:chExt cx="0" cy="0"/>
+        </a:xfrm>
+      </p:grpSpPr>
+      <p:sp>
+        <p:nvSpPr>
+          <p:cNvPr id="2" name="Slide Image Placeholder 1"/>
+          <p:cNvSpPr>
+            <a:spLocks noGrp="1" noRot="1" noChangeAspect="1"/>
+          </p:cNvSpPr>
+          <p:nvPr>
+            <p:ph type="sldImg"/>
+          </p:nvPr>
+        </p:nvSpPr>
+        <p:spPr/>
+      </p:sp>
+      <p:sp>
+        <p:nvSpPr>
+          <p:cNvPr id="3" name="Notes Placeholder 2"/>
+          <p:cNvSpPr>
+            <a:spLocks noGrp="1"/>
+          </p:cNvSpPr>
+          <p:nvPr>
+            <p:ph type="body" idx="1"/>
+          </p:nvPr>
+        </p:nvSpPr>
+        <p:spPr/>
+        <p:txBody>
+          <a:bodyPr/>
+          <a:lstStyle/>
+          <a:p>
+            <a:r>
+              <a:rPr lang="en-CA" dirty="0"/>
+              <a:t>To test out the app we wanted:</a:t>
+            </a:r>
+          </a:p>
+          <a:p>
+            <a:r>
+              <a:rPr lang="en-CA" dirty="0"/>
+              <a:t>-people who weren’t experienced with technology</a:t>
+            </a:r>
+          </a:p>
+          <a:p>
+            <a:r>
+              <a:rPr lang="en-CA" dirty="0"/>
+              <a:t>-someone</a:t>
+            </a:r>
+            <a:r>
+              <a:rPr lang="en-CA" baseline="0" dirty="0"/>
+              <a:t> in computer science, preferably working for a while</a:t>
+            </a:r>
+          </a:p>
+          <a:p>
+            <a:r>
+              <a:rPr lang="en-CA" baseline="0" dirty="0"/>
+              <a:t>-someone who studied budgeting</a:t>
+            </a:r>
+          </a:p>
+          <a:p>
+            <a:endParaRPr lang="en-CA" baseline="0" dirty="0"/>
+          </a:p>
+          <a:p>
+            <a:r>
+              <a:rPr lang="en-CA" baseline="0" dirty="0"/>
+              <a:t>Wanted the interviews to feel like </a:t>
+            </a:r>
+            <a:r>
+              <a:rPr lang="en-CA" baseline="0"/>
+              <a:t>a conversation</a:t>
+            </a:r>
+            <a:endParaRPr lang="en-CA" dirty="0"/>
+          </a:p>
+        </p:txBody>
+      </p:sp>
+      <p:sp>
+        <p:nvSpPr>
+          <p:cNvPr id="4" name="Slide Number Placeholder 3"/>
+          <p:cNvSpPr>
+            <a:spLocks noGrp="1"/>
+          </p:cNvSpPr>
+          <p:nvPr>
+            <p:ph type="sldNum" sz="quarter" idx="10"/>
+          </p:nvPr>
+        </p:nvSpPr>
+        <p:spPr/>
+        <p:txBody>
+          <a:bodyPr/>
+          <a:lstStyle/>
+          <a:p>
+            <a:fld id="{535A0029-8799-4F5D-9E3E-ABDEFB5C8063}" type="slidenum">
+              <a:rPr lang="en-CA" smtClean="0"/>
+              <a:t>7</a:t>
+            </a:fld>
+            <a:endParaRPr lang="en-CA"/>
+          </a:p>
+        </p:txBody>
+      </p:sp>
+    </p:spTree>
+    <p:extLst>
+      <p:ext uri="{BB962C8B-B14F-4D97-AF65-F5344CB8AC3E}">
+        <p14:creationId xmlns:p14="http://schemas.microsoft.com/office/powerpoint/2010/main" val="956339104"/>
+      </p:ext>
+    </p:extLst>
+  </p:cSld>
+  <p:clrMapOvr>
+    <a:masterClrMapping/>
+  </p:clrMapOvr>
+</p:notes>
 </file>
 
 <file path=ppt/slideLayouts/slideLayout1.xml><?xml version="1.0" encoding="utf-8"?>
@@ -159,7 +762,7 @@
           </a:lstStyle>
           <a:p>
             <a:r>
-              <a:rPr lang="en-CA" smtClean="0"/>
+              <a:rPr lang="en-CA"/>
               <a:t>Click to edit Master title style</a:t>
             </a:r>
             <a:endParaRPr lang="en-US" dirty="0"/>
@@ -279,7 +882,7 @@
           </a:lstStyle>
           <a:p>
             <a:r>
-              <a:rPr lang="en-CA" smtClean="0"/>
+              <a:rPr lang="en-CA"/>
               <a:t>Click to edit Master subtitle style</a:t>
             </a:r>
             <a:endParaRPr lang="en-US" dirty="0"/>
@@ -303,7 +906,7 @@
           <a:p>
             <a:fld id="{C8A432C8-69A7-458B-9684-2BFA64B31948}" type="datetime2">
               <a:rPr lang="en-US" smtClean="0"/>
-              <a:t>Thursday, December 1, 16</a:t>
+              <a:t>Monday, December 5, 2016</a:t>
             </a:fld>
             <a:endParaRPr lang="en-US"/>
           </a:p>
@@ -429,7 +1032,7 @@
           <a:lstStyle/>
           <a:p>
             <a:r>
-              <a:rPr lang="en-CA" smtClean="0"/>
+              <a:rPr lang="en-CA"/>
               <a:t>Click to edit Master title style</a:t>
             </a:r>
             <a:endParaRPr lang="en-US"/>
@@ -453,35 +1056,35 @@
           <a:p>
             <a:pPr lvl="0"/>
             <a:r>
-              <a:rPr lang="en-CA" smtClean="0"/>
+              <a:rPr lang="en-CA"/>
               <a:t>Click to edit Master text styles</a:t>
             </a:r>
           </a:p>
           <a:p>
             <a:pPr lvl="1"/>
             <a:r>
-              <a:rPr lang="en-CA" smtClean="0"/>
+              <a:rPr lang="en-CA"/>
               <a:t>Second level</a:t>
             </a:r>
           </a:p>
           <a:p>
             <a:pPr lvl="2"/>
             <a:r>
-              <a:rPr lang="en-CA" smtClean="0"/>
+              <a:rPr lang="en-CA"/>
               <a:t>Third level</a:t>
             </a:r>
           </a:p>
           <a:p>
             <a:pPr lvl="3"/>
             <a:r>
-              <a:rPr lang="en-CA" smtClean="0"/>
+              <a:rPr lang="en-CA"/>
               <a:t>Fourth level</a:t>
             </a:r>
           </a:p>
           <a:p>
             <a:pPr lvl="4"/>
             <a:r>
-              <a:rPr lang="en-CA" smtClean="0"/>
+              <a:rPr lang="en-CA"/>
               <a:t>Fifth level</a:t>
             </a:r>
             <a:endParaRPr lang="en-US"/>
@@ -505,7 +1108,7 @@
           <a:p>
             <a:fld id="{8CC057FC-95B6-4D89-AFDA-ABA33EE921E5}" type="datetime2">
               <a:rPr lang="en-US" smtClean="0"/>
-              <a:t>Thursday, December 1, 16</a:t>
+              <a:t>Monday, December 5, 2016</a:t>
             </a:fld>
             <a:endParaRPr lang="en-US"/>
           </a:p>
@@ -601,7 +1204,7 @@
           <a:lstStyle/>
           <a:p>
             <a:r>
-              <a:rPr lang="en-CA" smtClean="0"/>
+              <a:rPr lang="en-CA"/>
               <a:t>Click to edit Master title style</a:t>
             </a:r>
             <a:endParaRPr lang="en-US" dirty="0"/>
@@ -630,35 +1233,35 @@
           <a:p>
             <a:pPr lvl="0"/>
             <a:r>
-              <a:rPr lang="en-CA" smtClean="0"/>
+              <a:rPr lang="en-CA"/>
               <a:t>Click to edit Master text styles</a:t>
             </a:r>
           </a:p>
           <a:p>
             <a:pPr lvl="1"/>
             <a:r>
-              <a:rPr lang="en-CA" smtClean="0"/>
+              <a:rPr lang="en-CA"/>
               <a:t>Second level</a:t>
             </a:r>
           </a:p>
           <a:p>
             <a:pPr lvl="2"/>
             <a:r>
-              <a:rPr lang="en-CA" smtClean="0"/>
+              <a:rPr lang="en-CA"/>
               <a:t>Third level</a:t>
             </a:r>
           </a:p>
           <a:p>
             <a:pPr lvl="3"/>
             <a:r>
-              <a:rPr lang="en-CA" smtClean="0"/>
+              <a:rPr lang="en-CA"/>
               <a:t>Fourth level</a:t>
             </a:r>
           </a:p>
           <a:p>
             <a:pPr lvl="4"/>
             <a:r>
-              <a:rPr lang="en-CA" smtClean="0"/>
+              <a:rPr lang="en-CA"/>
               <a:t>Fifth level</a:t>
             </a:r>
             <a:endParaRPr lang="en-US" dirty="0"/>
@@ -682,7 +1285,7 @@
           <a:p>
             <a:fld id="{EC4549AC-EB31-477F-92A9-B1988E232878}" type="datetime2">
               <a:rPr lang="en-US" smtClean="0"/>
-              <a:t>Thursday, December 1, 16</a:t>
+              <a:t>Monday, December 5, 2016</a:t>
             </a:fld>
             <a:endParaRPr lang="en-US"/>
           </a:p>
@@ -773,7 +1376,7 @@
           <a:lstStyle/>
           <a:p>
             <a:r>
-              <a:rPr lang="en-CA" smtClean="0"/>
+              <a:rPr lang="en-CA"/>
               <a:t>Click to edit Master title style</a:t>
             </a:r>
             <a:endParaRPr lang="en-US"/>
@@ -797,35 +1400,35 @@
           <a:p>
             <a:pPr lvl="0"/>
             <a:r>
-              <a:rPr lang="en-CA" smtClean="0"/>
+              <a:rPr lang="en-CA"/>
               <a:t>Click to edit Master text styles</a:t>
             </a:r>
           </a:p>
           <a:p>
             <a:pPr lvl="1"/>
             <a:r>
-              <a:rPr lang="en-CA" smtClean="0"/>
+              <a:rPr lang="en-CA"/>
               <a:t>Second level</a:t>
             </a:r>
           </a:p>
           <a:p>
             <a:pPr lvl="2"/>
             <a:r>
-              <a:rPr lang="en-CA" smtClean="0"/>
+              <a:rPr lang="en-CA"/>
               <a:t>Third level</a:t>
             </a:r>
           </a:p>
           <a:p>
             <a:pPr lvl="3"/>
             <a:r>
-              <a:rPr lang="en-CA" smtClean="0"/>
+              <a:rPr lang="en-CA"/>
               <a:t>Fourth level</a:t>
             </a:r>
           </a:p>
           <a:p>
             <a:pPr lvl="4"/>
             <a:r>
-              <a:rPr lang="en-CA" smtClean="0"/>
+              <a:rPr lang="en-CA"/>
               <a:t>Fifth level</a:t>
             </a:r>
             <a:endParaRPr lang="en-US"/>
@@ -849,7 +1452,7 @@
           <a:p>
             <a:fld id="{6396A3A3-94A6-4E5B-AF39-173ACA3E61CC}" type="datetime2">
               <a:rPr lang="en-US" smtClean="0"/>
-              <a:t>Thursday, December 1, 16</a:t>
+              <a:t>Monday, December 5, 2016</a:t>
             </a:fld>
             <a:endParaRPr lang="en-US"/>
           </a:p>
@@ -956,7 +1559,7 @@
           </a:lstStyle>
           <a:p>
             <a:r>
-              <a:rPr lang="en-CA" smtClean="0"/>
+              <a:rPr lang="en-CA"/>
               <a:t>Click to edit Master title style</a:t>
             </a:r>
             <a:endParaRPr lang="en-US" dirty="0"/>
@@ -1076,7 +1679,7 @@
           <a:p>
             <a:pPr lvl="0"/>
             <a:r>
-              <a:rPr lang="en-CA" smtClean="0"/>
+              <a:rPr lang="en-CA"/>
               <a:t>Click to edit Master text styles</a:t>
             </a:r>
           </a:p>
@@ -1099,7 +1702,7 @@
           <a:p>
             <a:fld id="{9933D019-A32C-4EAD-B8E6-DBDA699692FD}" type="datetime2">
               <a:rPr lang="en-US" smtClean="0"/>
-              <a:t>Thursday, December 1, 16</a:t>
+              <a:t>Monday, December 5, 2016</a:t>
             </a:fld>
             <a:endParaRPr lang="en-US"/>
           </a:p>
@@ -1225,7 +1828,7 @@
           <a:lstStyle/>
           <a:p>
             <a:r>
-              <a:rPr lang="en-CA" smtClean="0"/>
+              <a:rPr lang="en-CA"/>
               <a:t>Click to edit Master title style</a:t>
             </a:r>
             <a:endParaRPr lang="en-US"/>
@@ -1282,35 +1885,35 @@
           <a:p>
             <a:pPr lvl="0"/>
             <a:r>
-              <a:rPr lang="en-CA" smtClean="0"/>
+              <a:rPr lang="en-CA"/>
               <a:t>Click to edit Master text styles</a:t>
             </a:r>
           </a:p>
           <a:p>
             <a:pPr lvl="1"/>
             <a:r>
-              <a:rPr lang="en-CA" smtClean="0"/>
+              <a:rPr lang="en-CA"/>
               <a:t>Second level</a:t>
             </a:r>
           </a:p>
           <a:p>
             <a:pPr lvl="2"/>
             <a:r>
-              <a:rPr lang="en-CA" smtClean="0"/>
+              <a:rPr lang="en-CA"/>
               <a:t>Third level</a:t>
             </a:r>
           </a:p>
           <a:p>
             <a:pPr lvl="3"/>
             <a:r>
-              <a:rPr lang="en-CA" smtClean="0"/>
+              <a:rPr lang="en-CA"/>
               <a:t>Fourth level</a:t>
             </a:r>
           </a:p>
           <a:p>
             <a:pPr lvl="4"/>
             <a:r>
-              <a:rPr lang="en-CA" smtClean="0"/>
+              <a:rPr lang="en-CA"/>
               <a:t>Fifth level</a:t>
             </a:r>
             <a:endParaRPr lang="en-US" dirty="0"/>
@@ -1367,35 +1970,35 @@
           <a:p>
             <a:pPr lvl="0"/>
             <a:r>
-              <a:rPr lang="en-CA" smtClean="0"/>
+              <a:rPr lang="en-CA"/>
               <a:t>Click to edit Master text styles</a:t>
             </a:r>
           </a:p>
           <a:p>
             <a:pPr lvl="1"/>
             <a:r>
-              <a:rPr lang="en-CA" smtClean="0"/>
+              <a:rPr lang="en-CA"/>
               <a:t>Second level</a:t>
             </a:r>
           </a:p>
           <a:p>
             <a:pPr lvl="2"/>
             <a:r>
-              <a:rPr lang="en-CA" smtClean="0"/>
+              <a:rPr lang="en-CA"/>
               <a:t>Third level</a:t>
             </a:r>
           </a:p>
           <a:p>
             <a:pPr lvl="3"/>
             <a:r>
-              <a:rPr lang="en-CA" smtClean="0"/>
+              <a:rPr lang="en-CA"/>
               <a:t>Fourth level</a:t>
             </a:r>
           </a:p>
           <a:p>
             <a:pPr lvl="4"/>
             <a:r>
-              <a:rPr lang="en-CA" smtClean="0"/>
+              <a:rPr lang="en-CA"/>
               <a:t>Fifth level</a:t>
             </a:r>
             <a:endParaRPr lang="en-US" dirty="0"/>
@@ -1419,7 +2022,7 @@
           <a:p>
             <a:fld id="{CCEBA98F-560C-4997-81C4-81D4D9187EAB}" type="datetime2">
               <a:rPr lang="en-US" smtClean="0"/>
-              <a:t>Thursday, December 1, 16</a:t>
+              <a:t>Monday, December 5, 2016</a:t>
             </a:fld>
             <a:endParaRPr lang="en-US"/>
           </a:p>
@@ -1514,7 +2117,7 @@
           </a:lstStyle>
           <a:p>
             <a:r>
-              <a:rPr lang="en-CA" smtClean="0"/>
+              <a:rPr lang="en-CA"/>
               <a:t>Click to edit Master title style</a:t>
             </a:r>
             <a:endParaRPr lang="en-US" dirty="0"/>
@@ -1603,7 +2206,7 @@
           <a:p>
             <a:pPr lvl="0"/>
             <a:r>
-              <a:rPr lang="en-CA" smtClean="0"/>
+              <a:rPr lang="en-CA"/>
               <a:t>Click to edit Master text styles</a:t>
             </a:r>
           </a:p>
@@ -1659,35 +2262,35 @@
           <a:p>
             <a:pPr lvl="0"/>
             <a:r>
-              <a:rPr lang="en-CA" smtClean="0"/>
+              <a:rPr lang="en-CA"/>
               <a:t>Click to edit Master text styles</a:t>
             </a:r>
           </a:p>
           <a:p>
             <a:pPr lvl="1"/>
             <a:r>
-              <a:rPr lang="en-CA" smtClean="0"/>
+              <a:rPr lang="en-CA"/>
               <a:t>Second level</a:t>
             </a:r>
           </a:p>
           <a:p>
             <a:pPr lvl="2"/>
             <a:r>
-              <a:rPr lang="en-CA" smtClean="0"/>
+              <a:rPr lang="en-CA"/>
               <a:t>Third level</a:t>
             </a:r>
           </a:p>
           <a:p>
             <a:pPr lvl="3"/>
             <a:r>
-              <a:rPr lang="en-CA" smtClean="0"/>
+              <a:rPr lang="en-CA"/>
               <a:t>Fourth level</a:t>
             </a:r>
           </a:p>
           <a:p>
             <a:pPr lvl="4"/>
             <a:r>
-              <a:rPr lang="en-CA" smtClean="0"/>
+              <a:rPr lang="en-CA"/>
               <a:t>Fifth level</a:t>
             </a:r>
             <a:endParaRPr lang="en-US" dirty="0"/>
@@ -1779,7 +2382,7 @@
           <a:p>
             <a:pPr lvl="0"/>
             <a:r>
-              <a:rPr lang="en-CA" smtClean="0"/>
+              <a:rPr lang="en-CA"/>
               <a:t>Click to edit Master text styles</a:t>
             </a:r>
           </a:p>
@@ -1835,35 +2438,35 @@
           <a:p>
             <a:pPr lvl="0"/>
             <a:r>
-              <a:rPr lang="en-CA" smtClean="0"/>
+              <a:rPr lang="en-CA"/>
               <a:t>Click to edit Master text styles</a:t>
             </a:r>
           </a:p>
           <a:p>
             <a:pPr lvl="1"/>
             <a:r>
-              <a:rPr lang="en-CA" smtClean="0"/>
+              <a:rPr lang="en-CA"/>
               <a:t>Second level</a:t>
             </a:r>
           </a:p>
           <a:p>
             <a:pPr lvl="2"/>
             <a:r>
-              <a:rPr lang="en-CA" smtClean="0"/>
+              <a:rPr lang="en-CA"/>
               <a:t>Third level</a:t>
             </a:r>
           </a:p>
           <a:p>
             <a:pPr lvl="3"/>
             <a:r>
-              <a:rPr lang="en-CA" smtClean="0"/>
+              <a:rPr lang="en-CA"/>
               <a:t>Fourth level</a:t>
             </a:r>
           </a:p>
           <a:p>
             <a:pPr lvl="4"/>
             <a:r>
-              <a:rPr lang="en-CA" smtClean="0"/>
+              <a:rPr lang="en-CA"/>
               <a:t>Fifth level</a:t>
             </a:r>
             <a:endParaRPr lang="en-US" dirty="0"/>
@@ -1887,7 +2490,7 @@
           <a:p>
             <a:fld id="{150972B2-CA5C-437D-87D0-8081271A9E4B}" type="datetime2">
               <a:rPr lang="en-US" smtClean="0"/>
-              <a:t>Thursday, December 1, 16</a:t>
+              <a:t>Monday, December 5, 2016</a:t>
             </a:fld>
             <a:endParaRPr lang="en-US"/>
           </a:p>
@@ -2013,7 +2616,7 @@
           <a:lstStyle/>
           <a:p>
             <a:r>
-              <a:rPr lang="en-CA" smtClean="0"/>
+              <a:rPr lang="en-CA"/>
               <a:t>Click to edit Master title style</a:t>
             </a:r>
             <a:endParaRPr lang="en-US"/>
@@ -2037,7 +2640,7 @@
           <a:p>
             <a:fld id="{79CD4847-11EF-4466-A8AD-85CDB7B49118}" type="datetime2">
               <a:rPr lang="en-US" smtClean="0"/>
-              <a:t>Thursday, December 1, 16</a:t>
+              <a:t>Monday, December 5, 2016</a:t>
             </a:fld>
             <a:endParaRPr lang="en-US"/>
           </a:p>
@@ -2129,7 +2732,7 @@
           <a:p>
             <a:fld id="{F168457A-3AB9-4880-8A0C-9F8524491207}" type="datetime2">
               <a:rPr lang="en-US" smtClean="0"/>
-              <a:t>Thursday, December 1, 16</a:t>
+              <a:t>Monday, December 5, 2016</a:t>
             </a:fld>
             <a:endParaRPr lang="en-US"/>
           </a:p>
@@ -2231,7 +2834,7 @@
           </a:lstStyle>
           <a:p>
             <a:r>
-              <a:rPr lang="en-CA" smtClean="0"/>
+              <a:rPr lang="en-CA"/>
               <a:t>Click to edit Master title style</a:t>
             </a:r>
             <a:endParaRPr lang="en-US" dirty="0"/>
@@ -2288,35 +2891,35 @@
           <a:p>
             <a:pPr lvl="0"/>
             <a:r>
-              <a:rPr lang="en-CA" smtClean="0"/>
+              <a:rPr lang="en-CA"/>
               <a:t>Click to edit Master text styles</a:t>
             </a:r>
           </a:p>
           <a:p>
             <a:pPr lvl="1"/>
             <a:r>
-              <a:rPr lang="en-CA" smtClean="0"/>
+              <a:rPr lang="en-CA"/>
               <a:t>Second level</a:t>
             </a:r>
           </a:p>
           <a:p>
             <a:pPr lvl="2"/>
             <a:r>
-              <a:rPr lang="en-CA" smtClean="0"/>
+              <a:rPr lang="en-CA"/>
               <a:t>Third level</a:t>
             </a:r>
           </a:p>
           <a:p>
             <a:pPr lvl="3"/>
             <a:r>
-              <a:rPr lang="en-CA" smtClean="0"/>
+              <a:rPr lang="en-CA"/>
               <a:t>Fourth level</a:t>
             </a:r>
           </a:p>
           <a:p>
             <a:pPr lvl="4"/>
             <a:r>
-              <a:rPr lang="en-CA" smtClean="0"/>
+              <a:rPr lang="en-CA"/>
               <a:t>Fifth level</a:t>
             </a:r>
             <a:endParaRPr lang="en-US" dirty="0"/>
@@ -2382,7 +2985,7 @@
           <a:p>
             <a:pPr lvl="0"/>
             <a:r>
-              <a:rPr lang="en-CA" smtClean="0"/>
+              <a:rPr lang="en-CA"/>
               <a:t>Click to edit Master text styles</a:t>
             </a:r>
           </a:p>
@@ -2405,7 +3008,7 @@
           <a:p>
             <a:fld id="{3FE976D3-5B7F-4300-ABED-C91F1B2AE209}" type="datetime2">
               <a:rPr lang="en-US" smtClean="0"/>
-              <a:t>Thursday, December 1, 16</a:t>
+              <a:t>Monday, December 5, 2016</a:t>
             </a:fld>
             <a:endParaRPr lang="en-US"/>
           </a:p>
@@ -2542,7 +3145,7 @@
           </a:lstStyle>
           <a:p>
             <a:r>
-              <a:rPr lang="en-CA" smtClean="0"/>
+              <a:rPr lang="en-CA"/>
               <a:t>Click to edit Master title style</a:t>
             </a:r>
             <a:endParaRPr lang="en-US" dirty="0"/>
@@ -2623,7 +3226,7 @@
           </a:lstStyle>
           <a:p>
             <a:r>
-              <a:rPr lang="en-CA" smtClean="0"/>
+              <a:rPr lang="en-CA"/>
               <a:t>Drag picture to placeholder or click icon to add</a:t>
             </a:r>
             <a:endParaRPr lang="en-US" dirty="0"/>
@@ -2689,7 +3292,7 @@
           <a:p>
             <a:pPr lvl="0"/>
             <a:r>
-              <a:rPr lang="en-CA" smtClean="0"/>
+              <a:rPr lang="en-CA"/>
               <a:t>Click to edit Master text styles</a:t>
             </a:r>
           </a:p>
@@ -2712,7 +3315,7 @@
           <a:p>
             <a:fld id="{EBDC1E59-17DD-41CE-97CA-624A472382D4}" type="datetime2">
               <a:rPr lang="en-US" smtClean="0"/>
-              <a:t>Thursday, December 1, 16</a:t>
+              <a:t>Monday, December 5, 2016</a:t>
             </a:fld>
             <a:endParaRPr lang="en-US"/>
           </a:p>
@@ -2864,7 +3467,7 @@
           <a:lstStyle/>
           <a:p>
             <a:r>
-              <a:rPr lang="en-CA" smtClean="0"/>
+              <a:rPr lang="en-CA"/>
               <a:t>Click to edit Master title style</a:t>
             </a:r>
             <a:endParaRPr lang="en-US" dirty="0"/>
@@ -2898,35 +3501,35 @@
           <a:p>
             <a:pPr lvl="0"/>
             <a:r>
-              <a:rPr lang="en-CA" smtClean="0"/>
+              <a:rPr lang="en-CA"/>
               <a:t>Click to edit Master text styles</a:t>
             </a:r>
           </a:p>
           <a:p>
             <a:pPr lvl="1"/>
             <a:r>
-              <a:rPr lang="en-CA" smtClean="0"/>
+              <a:rPr lang="en-CA"/>
               <a:t>Second level</a:t>
             </a:r>
           </a:p>
           <a:p>
             <a:pPr lvl="2"/>
             <a:r>
-              <a:rPr lang="en-CA" smtClean="0"/>
+              <a:rPr lang="en-CA"/>
               <a:t>Third level</a:t>
             </a:r>
           </a:p>
           <a:p>
             <a:pPr lvl="3"/>
             <a:r>
-              <a:rPr lang="en-CA" smtClean="0"/>
+              <a:rPr lang="en-CA"/>
               <a:t>Fourth level</a:t>
             </a:r>
           </a:p>
           <a:p>
             <a:pPr lvl="4"/>
             <a:r>
-              <a:rPr lang="en-CA" smtClean="0"/>
+              <a:rPr lang="en-CA"/>
               <a:t>Fifth level</a:t>
             </a:r>
             <a:endParaRPr lang="en-US" dirty="0"/>
@@ -3012,7 +3615,7 @@
           <a:p>
             <a:fld id="{A80CB818-7379-467D-8E76-EF9D9074A26C}" type="datetime2">
               <a:rPr lang="en-US" smtClean="0"/>
-              <a:t>Thursday, December 1, 16</a:t>
+              <a:t>Monday, December 5, 2016</a:t>
             </a:fld>
             <a:endParaRPr lang="en-US" dirty="0"/>
           </a:p>
@@ -3428,14 +4031,13 @@
           <a:lstStyle/>
           <a:p>
             <a:r>
-              <a:rPr lang="en-US" dirty="0" err="1" smtClean="0"/>
+              <a:rPr lang="en-US" dirty="0" err="1"/>
               <a:t>CA$ha</a:t>
             </a:r>
             <a:r>
-              <a:rPr lang="en-US" dirty="0" smtClean="0"/>
+              <a:rPr lang="en-US" dirty="0"/>
               <a:t>	</a:t>
             </a:r>
-            <a:endParaRPr lang="en-US" dirty="0"/>
           </a:p>
         </p:txBody>
       </p:sp>
@@ -3457,29 +4059,29 @@
           <a:lstStyle/>
           <a:p>
             <a:r>
-              <a:rPr lang="en-US" dirty="0" smtClean="0"/>
-              <a:t>Birkenstocks and socks</a:t>
-            </a:r>
-          </a:p>
-          <a:p>
-            <a:r>
-              <a:rPr lang="en-US" dirty="0" smtClean="0"/>
+              <a:rPr lang="en-US" dirty="0"/>
+              <a:t>Birkenstocks and Socks</a:t>
+            </a:r>
+          </a:p>
+          <a:p>
+            <a:r>
+              <a:rPr lang="en-US" dirty="0"/>
               <a:t>Peggy Anderson</a:t>
             </a:r>
           </a:p>
           <a:p>
             <a:r>
-              <a:rPr lang="en-US" dirty="0" smtClean="0"/>
+              <a:rPr lang="en-US" dirty="0"/>
               <a:t>Jonathan Baxter</a:t>
             </a:r>
           </a:p>
           <a:p>
             <a:r>
-              <a:rPr lang="en-US" dirty="0" smtClean="0"/>
+              <a:rPr lang="en-US" dirty="0"/>
               <a:t>Chris </a:t>
             </a:r>
             <a:r>
-              <a:rPr lang="en-US" dirty="0" err="1" smtClean="0"/>
+              <a:rPr lang="en-US" dirty="0" err="1"/>
               <a:t>Penner</a:t>
             </a:r>
             <a:endParaRPr lang="en-US" dirty="0"/>
@@ -3490,6 +4092,106 @@
     <p:extLst>
       <p:ext uri="{BB962C8B-B14F-4D97-AF65-F5344CB8AC3E}">
         <p14:creationId xmlns:p14="http://schemas.microsoft.com/office/powerpoint/2010/main" val="1770185856"/>
+      </p:ext>
+    </p:extLst>
+  </p:cSld>
+  <p:clrMapOvr>
+    <a:masterClrMapping/>
+  </p:clrMapOvr>
+</p:sld>
+</file>
+
+<file path=ppt/slides/slide10.xml><?xml version="1.0" encoding="utf-8"?>
+<p:sld xmlns:a="http://schemas.openxmlformats.org/drawingml/2006/main" xmlns:r="http://schemas.openxmlformats.org/officeDocument/2006/relationships" xmlns:p="http://schemas.openxmlformats.org/presentationml/2006/main">
+  <p:cSld>
+    <p:spTree>
+      <p:nvGrpSpPr>
+        <p:cNvPr id="1" name=""/>
+        <p:cNvGrpSpPr/>
+        <p:nvPr/>
+      </p:nvGrpSpPr>
+      <p:grpSpPr>
+        <a:xfrm>
+          <a:off x="0" y="0"/>
+          <a:ext cx="0" cy="0"/>
+          <a:chOff x="0" y="0"/>
+          <a:chExt cx="0" cy="0"/>
+        </a:xfrm>
+      </p:grpSpPr>
+      <p:sp>
+        <p:nvSpPr>
+          <p:cNvPr id="2" name="TextBox 1"/>
+          <p:cNvSpPr txBox="1"/>
+          <p:nvPr/>
+        </p:nvSpPr>
+        <p:spPr>
+          <a:xfrm>
+            <a:off x="3294185" y="2893073"/>
+            <a:ext cx="3005014" cy="707886"/>
+          </a:xfrm>
+          <a:prstGeom prst="rect">
+            <a:avLst/>
+          </a:prstGeom>
+          <a:noFill/>
+        </p:spPr>
+        <p:txBody>
+          <a:bodyPr wrap="square" rtlCol="0">
+            <a:spAutoFit/>
+          </a:bodyPr>
+          <a:lstStyle/>
+          <a:p>
+            <a:r>
+              <a:rPr lang="en-US" sz="4000" dirty="0"/>
+              <a:t>Questions</a:t>
+            </a:r>
+            <a:r>
+              <a:rPr lang="en-US" sz="3600" dirty="0"/>
+              <a:t>?</a:t>
+            </a:r>
+          </a:p>
+        </p:txBody>
+      </p:sp>
+      <p:sp>
+        <p:nvSpPr>
+          <p:cNvPr id="3" name="TextBox 2"/>
+          <p:cNvSpPr txBox="1"/>
+          <p:nvPr/>
+        </p:nvSpPr>
+        <p:spPr>
+          <a:xfrm>
+            <a:off x="356579" y="6012027"/>
+            <a:ext cx="5523520" cy="523220"/>
+          </a:xfrm>
+          <a:prstGeom prst="rect">
+            <a:avLst/>
+          </a:prstGeom>
+          <a:noFill/>
+        </p:spPr>
+        <p:txBody>
+          <a:bodyPr wrap="square" rtlCol="0">
+            <a:spAutoFit/>
+          </a:bodyPr>
+          <a:lstStyle/>
+          <a:p>
+            <a:r>
+              <a:rPr lang="en-US" sz="2800" dirty="0"/>
+              <a:t>Try it out! </a:t>
+            </a:r>
+            <a:r>
+              <a:rPr lang="en-US" sz="2800" dirty="0">
+                <a:solidFill>
+                  <a:srgbClr val="00B0F0"/>
+                </a:solidFill>
+              </a:rPr>
+              <a:t>bit.do/cmpt481 </a:t>
+            </a:r>
+          </a:p>
+        </p:txBody>
+      </p:sp>
+    </p:spTree>
+    <p:extLst>
+      <p:ext uri="{BB962C8B-B14F-4D97-AF65-F5344CB8AC3E}">
+        <p14:creationId xmlns:p14="http://schemas.microsoft.com/office/powerpoint/2010/main" val="3349580380"/>
       </p:ext>
     </p:extLst>
   </p:cSld>
@@ -3532,8 +4234,12 @@
           <a:lstStyle/>
           <a:p>
             <a:r>
-              <a:rPr lang="en-US" dirty="0" smtClean="0"/>
-              <a:t>Low-fidelity Prototype</a:t>
+              <a:rPr lang="en-US" dirty="0"/>
+              <a:t>What is </a:t>
+            </a:r>
+            <a:r>
+              <a:rPr lang="en-US" dirty="0" err="1"/>
+              <a:t>ca$ha</a:t>
             </a:r>
             <a:endParaRPr lang="en-US" dirty="0"/>
           </a:p>
@@ -3551,8 +4257,8 @@
         </p:nvSpPr>
         <p:spPr>
           <a:xfrm rot="16200000">
-            <a:off x="2267774" y="140721"/>
-            <a:ext cx="4164862" cy="7786007"/>
+            <a:off x="1372949" y="1035547"/>
+            <a:ext cx="4164862" cy="5996355"/>
           </a:xfrm>
         </p:spPr>
         <p:txBody>
@@ -3560,53 +4266,59 @@
           <a:lstStyle/>
           <a:p>
             <a:r>
-              <a:rPr lang="en-US" dirty="0" smtClean="0"/>
-              <a:t>Paper Prototype</a:t>
-            </a:r>
-          </a:p>
-          <a:p>
-            <a:r>
-              <a:rPr lang="en-US" dirty="0" smtClean="0"/>
-              <a:t>Results</a:t>
-            </a:r>
-          </a:p>
-          <a:p>
-            <a:pPr lvl="1"/>
-            <a:r>
-              <a:rPr lang="en-US" dirty="0" smtClean="0"/>
-              <a:t>Positioning of buttons</a:t>
-            </a:r>
-          </a:p>
-          <a:p>
-            <a:pPr lvl="1"/>
-            <a:r>
               <a:rPr lang="en-US" dirty="0"/>
-              <a:t> </a:t>
-            </a:r>
-            <a:r>
-              <a:rPr lang="en-US" dirty="0" smtClean="0"/>
-              <a:t>More labels </a:t>
-            </a:r>
-          </a:p>
-          <a:p>
-            <a:pPr lvl="1"/>
-            <a:r>
-              <a:rPr lang="en-US" dirty="0"/>
-              <a:t> </a:t>
-            </a:r>
-            <a:r>
-              <a:rPr lang="en-US" dirty="0" smtClean="0"/>
-              <a:t>Missed some Functionality</a:t>
-            </a:r>
-          </a:p>
-          <a:p>
-            <a:endParaRPr lang="en-US" dirty="0" smtClean="0"/>
+              <a:t>A fast and easy budgeting application for desktops and mobile devices</a:t>
+            </a:r>
           </a:p>
           <a:p>
             <a:endParaRPr lang="en-US" dirty="0"/>
           </a:p>
-        </p:txBody>
-      </p:sp>
+          <a:p>
+            <a:endParaRPr lang="en-US" dirty="0"/>
+          </a:p>
+        </p:txBody>
+      </p:sp>
+      <p:pic>
+        <p:nvPicPr>
+          <p:cNvPr id="1032" name="Picture 8" descr="Image result for wtf gif"/>
+          <p:cNvPicPr>
+            <a:picLocks noChangeAspect="1" noChangeArrowheads="1" noCrop="1"/>
+          </p:cNvPicPr>
+          <p:nvPr/>
+        </p:nvPicPr>
+        <p:blipFill>
+          <a:blip r:embed="rId2">
+            <a:extLst>
+              <a:ext uri="{28A0092B-C50C-407E-A947-70E740481C1C}">
+                <a14:useLocalDpi xmlns:a14="http://schemas.microsoft.com/office/drawing/2010/main" val="0"/>
+              </a:ext>
+            </a:extLst>
+          </a:blip>
+          <a:srcRect/>
+          <a:stretch>
+            <a:fillRect/>
+          </a:stretch>
+        </p:blipFill>
+        <p:spPr bwMode="auto">
+          <a:xfrm>
+            <a:off x="6523892" y="734158"/>
+            <a:ext cx="2286000" cy="2171700"/>
+          </a:xfrm>
+          <a:prstGeom prst="rect">
+            <a:avLst/>
+          </a:prstGeom>
+          <a:noFill/>
+          <a:extLst>
+            <a:ext uri="{909E8E84-426E-40DD-AFC4-6F175D3DCCD1}">
+              <a14:hiddenFill xmlns:a14="http://schemas.microsoft.com/office/drawing/2010/main">
+                <a:solidFill>
+                  <a:srgbClr val="FFFFFF"/>
+                </a:solidFill>
+              </a14:hiddenFill>
+            </a:ext>
+          </a:extLst>
+        </p:spPr>
+      </p:pic>
     </p:spTree>
     <p:extLst>
       <p:ext uri="{BB962C8B-B14F-4D97-AF65-F5344CB8AC3E}">
@@ -3649,65 +4361,103 @@
         </p:nvSpPr>
         <p:spPr/>
         <p:txBody>
-          <a:bodyPr>
-            <a:normAutofit fontScale="90000"/>
-          </a:bodyPr>
-          <a:lstStyle/>
-          <a:p>
-            <a:r>
-              <a:rPr lang="en-US" dirty="0" smtClean="0"/>
-              <a:t>Objective of Medium-Fidelity Prototype</a:t>
-            </a:r>
+          <a:bodyPr/>
+          <a:lstStyle/>
+          <a:p>
+            <a:r>
+              <a:rPr lang="en-US" dirty="0"/>
+              <a:t>Low-fidelity Prototype</a:t>
+            </a:r>
+          </a:p>
+        </p:txBody>
+      </p:sp>
+      <p:sp>
+        <p:nvSpPr>
+          <p:cNvPr id="3" name="Vertical Text Placeholder 2"/>
+          <p:cNvSpPr>
+            <a:spLocks noGrp="1"/>
+          </p:cNvSpPr>
+          <p:nvPr>
+            <p:ph type="body" orient="vert" idx="1"/>
+          </p:nvPr>
+        </p:nvSpPr>
+        <p:spPr>
+          <a:xfrm rot="16200000">
+            <a:off x="2267774" y="140721"/>
+            <a:ext cx="4164862" cy="7786007"/>
+          </a:xfrm>
+        </p:spPr>
+        <p:txBody>
+          <a:bodyPr/>
+          <a:lstStyle/>
+          <a:p>
+            <a:r>
+              <a:rPr lang="en-US" dirty="0"/>
+              <a:t>Paper Prototype</a:t>
+            </a:r>
+          </a:p>
+          <a:p>
+            <a:r>
+              <a:rPr lang="en-US" dirty="0"/>
+              <a:t>Results</a:t>
+            </a:r>
+          </a:p>
+          <a:p>
+            <a:pPr lvl="1"/>
+            <a:r>
+              <a:rPr lang="en-US" dirty="0"/>
+              <a:t>Positioning of buttons</a:t>
+            </a:r>
+          </a:p>
+          <a:p>
+            <a:pPr lvl="1"/>
+            <a:r>
+              <a:rPr lang="en-US" dirty="0"/>
+              <a:t>More labels </a:t>
+            </a:r>
+          </a:p>
+          <a:p>
+            <a:pPr lvl="1"/>
+            <a:r>
+              <a:rPr lang="en-US" dirty="0"/>
+              <a:t>Missed some Functionality</a:t>
+            </a:r>
+          </a:p>
+          <a:p>
             <a:endParaRPr lang="en-US" dirty="0"/>
           </a:p>
-        </p:txBody>
-      </p:sp>
-      <p:sp>
-        <p:nvSpPr>
-          <p:cNvPr id="3" name="Content Placeholder 2"/>
-          <p:cNvSpPr>
-            <a:spLocks noGrp="1"/>
-          </p:cNvSpPr>
-          <p:nvPr>
-            <p:ph idx="1"/>
-          </p:nvPr>
-        </p:nvSpPr>
-        <p:spPr/>
-        <p:txBody>
-          <a:bodyPr/>
-          <a:lstStyle/>
-          <a:p>
-            <a:r>
-              <a:rPr lang="en-US" dirty="0" smtClean="0"/>
-              <a:t>Implemented Using html, </a:t>
-            </a:r>
-            <a:r>
-              <a:rPr lang="en-US" dirty="0" err="1" smtClean="0"/>
-              <a:t>css</a:t>
-            </a:r>
-            <a:r>
-              <a:rPr lang="en-US" dirty="0" smtClean="0"/>
-              <a:t> and </a:t>
-            </a:r>
-            <a:r>
-              <a:rPr lang="en-US" dirty="0" err="1" smtClean="0"/>
-              <a:t>javascript</a:t>
-            </a:r>
-            <a:endParaRPr lang="en-US" dirty="0" smtClean="0"/>
-          </a:p>
-          <a:p>
-            <a:r>
-              <a:rPr lang="en-US" dirty="0" smtClean="0"/>
-              <a:t>Allowed us to automate the “wizard of Oz approach”</a:t>
-            </a:r>
+          <a:p>
             <a:endParaRPr lang="en-US" dirty="0"/>
           </a:p>
         </p:txBody>
       </p:sp>
+      <p:pic>
+        <p:nvPicPr>
+          <p:cNvPr id="4" name="Picture 3"/>
+          <p:cNvPicPr>
+            <a:picLocks noChangeAspect="1"/>
+          </p:cNvPicPr>
+          <p:nvPr/>
+        </p:nvPicPr>
+        <p:blipFill rotWithShape="1">
+          <a:blip r:embed="rId3"/>
+          <a:srcRect l="5143" t="31917" r="5265" b="15329"/>
+          <a:stretch/>
+        </p:blipFill>
+        <p:spPr>
+          <a:xfrm>
+            <a:off x="4248000" y="2925449"/>
+            <a:ext cx="4608000" cy="3618000"/>
+          </a:xfrm>
+          <a:prstGeom prst="rect">
+            <a:avLst/>
+          </a:prstGeom>
+        </p:spPr>
+      </p:pic>
     </p:spTree>
     <p:extLst>
       <p:ext uri="{BB962C8B-B14F-4D97-AF65-F5344CB8AC3E}">
-        <p14:creationId xmlns:p14="http://schemas.microsoft.com/office/powerpoint/2010/main" val="1648193979"/>
+        <p14:creationId xmlns:p14="http://schemas.microsoft.com/office/powerpoint/2010/main" val="51208908"/>
       </p:ext>
     </p:extLst>
   </p:cSld>
@@ -3746,14 +4496,95 @@
         </p:nvSpPr>
         <p:spPr/>
         <p:txBody>
-          <a:bodyPr/>
-          <a:lstStyle/>
-          <a:p>
-            <a:r>
-              <a:rPr lang="en-US" dirty="0" smtClean="0"/>
+          <a:bodyPr>
+            <a:normAutofit fontScale="90000"/>
+          </a:bodyPr>
+          <a:lstStyle/>
+          <a:p>
+            <a:r>
+              <a:rPr lang="en-US" dirty="0"/>
+              <a:t>Objective of Medium-Fidelity Prototype</a:t>
+            </a:r>
+          </a:p>
+        </p:txBody>
+      </p:sp>
+      <p:sp>
+        <p:nvSpPr>
+          <p:cNvPr id="3" name="Content Placeholder 2"/>
+          <p:cNvSpPr>
+            <a:spLocks noGrp="1"/>
+          </p:cNvSpPr>
+          <p:nvPr>
+            <p:ph idx="1"/>
+          </p:nvPr>
+        </p:nvSpPr>
+        <p:spPr/>
+        <p:txBody>
+          <a:bodyPr/>
+          <a:lstStyle/>
+          <a:p>
+            <a:r>
+              <a:rPr lang="en-US" dirty="0"/>
+              <a:t>Implemented using HTML, CSS and JavaScript</a:t>
+            </a:r>
+          </a:p>
+          <a:p>
+            <a:r>
+              <a:rPr lang="en-US" dirty="0"/>
+              <a:t>Allowed us to automate the “Wizard of Oz approach”</a:t>
+            </a:r>
+          </a:p>
+        </p:txBody>
+      </p:sp>
+    </p:spTree>
+    <p:extLst>
+      <p:ext uri="{BB962C8B-B14F-4D97-AF65-F5344CB8AC3E}">
+        <p14:creationId xmlns:p14="http://schemas.microsoft.com/office/powerpoint/2010/main" val="1648193979"/>
+      </p:ext>
+    </p:extLst>
+  </p:cSld>
+  <p:clrMapOvr>
+    <a:masterClrMapping/>
+  </p:clrMapOvr>
+</p:sld>
+</file>
+
+<file path=ppt/slides/slide5.xml><?xml version="1.0" encoding="utf-8"?>
+<p:sld xmlns:a="http://schemas.openxmlformats.org/drawingml/2006/main" xmlns:r="http://schemas.openxmlformats.org/officeDocument/2006/relationships" xmlns:p="http://schemas.openxmlformats.org/presentationml/2006/main">
+  <p:cSld>
+    <p:spTree>
+      <p:nvGrpSpPr>
+        <p:cNvPr id="1" name=""/>
+        <p:cNvGrpSpPr/>
+        <p:nvPr/>
+      </p:nvGrpSpPr>
+      <p:grpSpPr>
+        <a:xfrm>
+          <a:off x="0" y="0"/>
+          <a:ext cx="0" cy="0"/>
+          <a:chOff x="0" y="0"/>
+          <a:chExt cx="0" cy="0"/>
+        </a:xfrm>
+      </p:grpSpPr>
+      <p:sp>
+        <p:nvSpPr>
+          <p:cNvPr id="2" name="Title 1"/>
+          <p:cNvSpPr>
+            <a:spLocks noGrp="1"/>
+          </p:cNvSpPr>
+          <p:nvPr>
+            <p:ph type="title"/>
+          </p:nvPr>
+        </p:nvSpPr>
+        <p:spPr/>
+        <p:txBody>
+          <a:bodyPr/>
+          <a:lstStyle/>
+          <a:p>
+            <a:r>
+              <a:rPr lang="en-US" dirty="0"/>
               <a:t>Medium-Fidelity Prototype</a:t>
             </a:r>
-            <a:endParaRPr lang="en-US" dirty="0"/>
           </a:p>
         </p:txBody>
       </p:sp>
@@ -3768,7 +4599,7 @@
           </p:nvPr>
         </p:nvPicPr>
         <p:blipFill rotWithShape="1">
-          <a:blip r:embed="rId2">
+          <a:blip r:embed="rId2" cstate="email">
             <a:extLst>
               <a:ext uri="{28A0092B-C50C-407E-A947-70E740481C1C}">
                 <a14:useLocalDpi xmlns:a14="http://schemas.microsoft.com/office/drawing/2010/main" val="0"/>
@@ -3798,83 +4629,6 @@
 </p:sld>
 </file>
 
-<file path=ppt/slides/slide5.xml><?xml version="1.0" encoding="utf-8"?>
-<p:sld xmlns:a="http://schemas.openxmlformats.org/drawingml/2006/main" xmlns:r="http://schemas.openxmlformats.org/officeDocument/2006/relationships" xmlns:p="http://schemas.openxmlformats.org/presentationml/2006/main">
-  <p:cSld>
-    <p:spTree>
-      <p:nvGrpSpPr>
-        <p:cNvPr id="1" name=""/>
-        <p:cNvGrpSpPr/>
-        <p:nvPr/>
-      </p:nvGrpSpPr>
-      <p:grpSpPr>
-        <a:xfrm>
-          <a:off x="0" y="0"/>
-          <a:ext cx="0" cy="0"/>
-          <a:chOff x="0" y="0"/>
-          <a:chExt cx="0" cy="0"/>
-        </a:xfrm>
-      </p:grpSpPr>
-      <p:sp>
-        <p:nvSpPr>
-          <p:cNvPr id="2" name="Title 1"/>
-          <p:cNvSpPr>
-            <a:spLocks noGrp="1"/>
-          </p:cNvSpPr>
-          <p:nvPr>
-            <p:ph type="title"/>
-          </p:nvPr>
-        </p:nvSpPr>
-        <p:spPr/>
-        <p:txBody>
-          <a:bodyPr/>
-          <a:lstStyle/>
-          <a:p>
-            <a:r>
-              <a:rPr lang="en-US" dirty="0"/>
-              <a:t>Medium-Fidelity Prototype</a:t>
-            </a:r>
-          </a:p>
-        </p:txBody>
-      </p:sp>
-      <p:pic>
-        <p:nvPicPr>
-          <p:cNvPr id="4" name="Content Placeholder 3" descr="desktop-settings.png"/>
-          <p:cNvPicPr>
-            <a:picLocks noGrp="1" noChangeAspect="1"/>
-          </p:cNvPicPr>
-          <p:nvPr>
-            <p:ph idx="1"/>
-          </p:nvPr>
-        </p:nvPicPr>
-        <p:blipFill>
-          <a:blip r:embed="rId2" cstate="print">
-            <a:extLst>
-              <a:ext uri="{28A0092B-C50C-407E-A947-70E740481C1C}">
-                <a14:useLocalDpi xmlns:a14="http://schemas.microsoft.com/office/drawing/2010/main" val="0"/>
-              </a:ext>
-            </a:extLst>
-          </a:blip>
-          <a:srcRect t="7436" b="7436"/>
-          <a:stretch>
-            <a:fillRect/>
-          </a:stretch>
-        </p:blipFill>
-        <p:spPr/>
-      </p:pic>
-    </p:spTree>
-    <p:extLst>
-      <p:ext uri="{BB962C8B-B14F-4D97-AF65-F5344CB8AC3E}">
-        <p14:creationId xmlns:p14="http://schemas.microsoft.com/office/powerpoint/2010/main" val="568756571"/>
-      </p:ext>
-    </p:extLst>
-  </p:cSld>
-  <p:clrMapOvr>
-    <a:masterClrMapping/>
-  </p:clrMapOvr>
-</p:sld>
-</file>
-
 <file path=ppt/slides/slide6.xml><?xml version="1.0" encoding="utf-8"?>
 <p:sld xmlns:a="http://schemas.openxmlformats.org/drawingml/2006/main" xmlns:r="http://schemas.openxmlformats.org/officeDocument/2006/relationships" xmlns:p="http://schemas.openxmlformats.org/presentationml/2006/main">
   <p:cSld>
@@ -3908,46 +4662,41 @@
           <a:lstStyle/>
           <a:p>
             <a:r>
-              <a:rPr lang="en-US" dirty="0" smtClean="0"/>
-              <a:t>Evaluation</a:t>
-            </a:r>
-            <a:endParaRPr lang="en-US" dirty="0"/>
-          </a:p>
-        </p:txBody>
-      </p:sp>
-      <p:sp>
-        <p:nvSpPr>
-          <p:cNvPr id="3" name="Content Placeholder 2"/>
-          <p:cNvSpPr>
-            <a:spLocks noGrp="1"/>
-          </p:cNvSpPr>
+              <a:rPr lang="en-US" dirty="0"/>
+              <a:t>Medium-Fidelity Prototype</a:t>
+            </a:r>
+          </a:p>
+        </p:txBody>
+      </p:sp>
+      <p:pic>
+        <p:nvPicPr>
+          <p:cNvPr id="4" name="Content Placeholder 3" descr="desktop-settings.png"/>
+          <p:cNvPicPr>
+            <a:picLocks noGrp="1" noChangeAspect="1"/>
+          </p:cNvPicPr>
           <p:nvPr>
             <p:ph idx="1"/>
           </p:nvPr>
-        </p:nvSpPr>
-        <p:spPr/>
-        <p:txBody>
-          <a:bodyPr/>
-          <a:lstStyle/>
-          <a:p>
-            <a:r>
-              <a:rPr lang="en-US" dirty="0" smtClean="0"/>
-              <a:t>Used Interviews to conduct our evaluation</a:t>
-            </a:r>
-          </a:p>
-          <a:p>
-            <a:r>
-              <a:rPr lang="en-US" dirty="0" smtClean="0"/>
-              <a:t>Interviews were Semi-structured</a:t>
-            </a:r>
-            <a:endParaRPr lang="en-US" dirty="0"/>
-          </a:p>
-        </p:txBody>
-      </p:sp>
+        </p:nvPicPr>
+        <p:blipFill>
+          <a:blip r:embed="rId2" cstate="email">
+            <a:extLst>
+              <a:ext uri="{28A0092B-C50C-407E-A947-70E740481C1C}">
+                <a14:useLocalDpi xmlns:a14="http://schemas.microsoft.com/office/drawing/2010/main" val="0"/>
+              </a:ext>
+            </a:extLst>
+          </a:blip>
+          <a:srcRect t="7436" b="7436"/>
+          <a:stretch>
+            <a:fillRect/>
+          </a:stretch>
+        </p:blipFill>
+        <p:spPr/>
+      </p:pic>
     </p:spTree>
     <p:extLst>
       <p:ext uri="{BB962C8B-B14F-4D97-AF65-F5344CB8AC3E}">
-        <p14:creationId xmlns:p14="http://schemas.microsoft.com/office/powerpoint/2010/main" val="350580226"/>
+        <p14:creationId xmlns:p14="http://schemas.microsoft.com/office/powerpoint/2010/main" val="568756571"/>
       </p:ext>
     </p:extLst>
   </p:cSld>
@@ -3990,10 +4739,9 @@
           <a:lstStyle/>
           <a:p>
             <a:r>
-              <a:rPr lang="en-US" dirty="0" smtClean="0"/>
-              <a:t>Results of Evaluation</a:t>
-            </a:r>
-            <a:endParaRPr lang="en-US" dirty="0"/>
+              <a:rPr lang="en-US" dirty="0"/>
+              <a:t>Evaluation</a:t>
+            </a:r>
           </a:p>
         </p:txBody>
       </p:sp>
@@ -4013,37 +4761,29 @@
           <a:lstStyle/>
           <a:p>
             <a:r>
-              <a:rPr lang="en-US" dirty="0" smtClean="0"/>
-              <a:t>Easy to add expenses</a:t>
-            </a:r>
-          </a:p>
-          <a:p>
-            <a:r>
-              <a:rPr lang="en-US" dirty="0" smtClean="0"/>
-              <a:t>Easy to view spending</a:t>
-            </a:r>
-          </a:p>
-          <a:p>
-            <a:r>
-              <a:rPr lang="en-US" dirty="0" smtClean="0"/>
-              <a:t>More in depth data</a:t>
-            </a:r>
-          </a:p>
-          <a:p>
-            <a:r>
-              <a:rPr lang="en-US" dirty="0" smtClean="0"/>
-              <a:t>More customizable</a:t>
-            </a:r>
-          </a:p>
-          <a:p>
-            <a:endParaRPr lang="en-US" dirty="0" smtClean="0"/>
+              <a:rPr lang="en-US" dirty="0"/>
+              <a:t>Used interviews to conduct our evaluation</a:t>
+            </a:r>
+          </a:p>
+          <a:p>
+            <a:r>
+              <a:rPr lang="en-US" dirty="0"/>
+              <a:t>Interviews were semi-structured</a:t>
+            </a:r>
+          </a:p>
+          <a:p>
+            <a:pPr lvl="1"/>
+            <a:r>
+              <a:rPr lang="en-US" dirty="0"/>
+              <a:t>Mix of closed and open-ended questions</a:t>
+            </a:r>
           </a:p>
         </p:txBody>
       </p:sp>
     </p:spTree>
     <p:extLst>
       <p:ext uri="{BB962C8B-B14F-4D97-AF65-F5344CB8AC3E}">
-        <p14:creationId xmlns:p14="http://schemas.microsoft.com/office/powerpoint/2010/main" val="175615589"/>
+        <p14:creationId xmlns:p14="http://schemas.microsoft.com/office/powerpoint/2010/main" val="350580226"/>
       </p:ext>
     </p:extLst>
   </p:cSld>
@@ -4086,10 +4826,9 @@
           <a:lstStyle/>
           <a:p>
             <a:r>
-              <a:rPr lang="en-US" dirty="0" smtClean="0"/>
-              <a:t>Final recommendations</a:t>
-            </a:r>
-            <a:endParaRPr lang="en-US" dirty="0"/>
+              <a:rPr lang="en-US" dirty="0"/>
+              <a:t>Results of Evaluation</a:t>
+            </a:r>
           </a:p>
         </p:txBody>
       </p:sp>
@@ -4109,14 +4848,29 @@
           <a:lstStyle/>
           <a:p>
             <a:r>
-              <a:rPr lang="en-US" dirty="0" smtClean="0"/>
-              <a:t>Valid approach with some minor tweaks</a:t>
-            </a:r>
-          </a:p>
-          <a:p>
-            <a:pPr marL="0" indent="0">
-              <a:buNone/>
-            </a:pPr>
+              <a:rPr lang="en-US" dirty="0"/>
+              <a:t>Easy to add expenses</a:t>
+            </a:r>
+          </a:p>
+          <a:p>
+            <a:r>
+              <a:rPr lang="en-US" dirty="0"/>
+              <a:t>Easy to view spending</a:t>
+            </a:r>
+          </a:p>
+          <a:p>
+            <a:r>
+              <a:rPr lang="en-US" dirty="0"/>
+              <a:t>More in depth data</a:t>
+            </a:r>
+          </a:p>
+          <a:p>
+            <a:r>
+              <a:rPr lang="en-US" dirty="0"/>
+              <a:t>More customization</a:t>
+            </a:r>
+          </a:p>
+          <a:p>
             <a:endParaRPr lang="en-US" dirty="0"/>
           </a:p>
         </p:txBody>
@@ -4124,7 +4878,7 @@
     </p:spTree>
     <p:extLst>
       <p:ext uri="{BB962C8B-B14F-4D97-AF65-F5344CB8AC3E}">
-        <p14:creationId xmlns:p14="http://schemas.microsoft.com/office/powerpoint/2010/main" val="463754024"/>
+        <p14:creationId xmlns:p14="http://schemas.microsoft.com/office/powerpoint/2010/main" val="175615589"/>
       </p:ext>
     </p:extLst>
   </p:cSld>
@@ -4153,38 +4907,99 @@
       </p:grpSpPr>
       <p:sp>
         <p:nvSpPr>
-          <p:cNvPr id="2" name="TextBox 1"/>
-          <p:cNvSpPr txBox="1"/>
+          <p:cNvPr id="2" name="Title 1"/>
+          <p:cNvSpPr>
+            <a:spLocks noGrp="1"/>
+          </p:cNvSpPr>
+          <p:nvPr>
+            <p:ph type="title"/>
+          </p:nvPr>
+        </p:nvSpPr>
+        <p:spPr/>
+        <p:txBody>
+          <a:bodyPr/>
+          <a:lstStyle/>
+          <a:p>
+            <a:r>
+              <a:rPr lang="en-US" dirty="0"/>
+              <a:t>Final recommendations</a:t>
+            </a:r>
+          </a:p>
+        </p:txBody>
+      </p:sp>
+      <p:sp>
+        <p:nvSpPr>
+          <p:cNvPr id="3" name="Content Placeholder 2"/>
+          <p:cNvSpPr>
+            <a:spLocks noGrp="1"/>
+          </p:cNvSpPr>
+          <p:nvPr>
+            <p:ph idx="1"/>
+          </p:nvPr>
+        </p:nvSpPr>
+        <p:spPr/>
+        <p:txBody>
+          <a:bodyPr/>
+          <a:lstStyle/>
+          <a:p>
+            <a:r>
+              <a:rPr lang="en-US" dirty="0"/>
+              <a:t>Valid approach with some minor tweaks</a:t>
+            </a:r>
+          </a:p>
+          <a:p>
+            <a:pPr marL="0" indent="0">
+              <a:buNone/>
+            </a:pPr>
+            <a:endParaRPr lang="en-US" dirty="0"/>
+          </a:p>
+        </p:txBody>
+      </p:sp>
+      <p:pic>
+        <p:nvPicPr>
+          <p:cNvPr id="2050" name="Picture 2" descr="Image result for high five gif"/>
+          <p:cNvPicPr>
+            <a:picLocks noChangeAspect="1" noChangeArrowheads="1" noCrop="1"/>
+          </p:cNvPicPr>
           <p:nvPr/>
-        </p:nvSpPr>
-        <p:spPr>
+        </p:nvPicPr>
+        <p:blipFill>
+          <a:blip r:embed="rId2">
+            <a:extLst>
+              <a:ext uri="{28A0092B-C50C-407E-A947-70E740481C1C}">
+                <a14:useLocalDpi xmlns:a14="http://schemas.microsoft.com/office/drawing/2010/main" val="0"/>
+              </a:ext>
+            </a:extLst>
+          </a:blip>
+          <a:srcRect/>
+          <a:stretch>
+            <a:fillRect/>
+          </a:stretch>
+        </p:blipFill>
+        <p:spPr bwMode="auto">
           <a:xfrm>
-            <a:off x="3439748" y="2976706"/>
-            <a:ext cx="2264504" cy="584776"/>
+            <a:off x="2190750" y="2752725"/>
+            <a:ext cx="4762500" cy="2571750"/>
           </a:xfrm>
           <a:prstGeom prst="rect">
             <a:avLst/>
           </a:prstGeom>
           <a:noFill/>
+          <a:extLst>
+            <a:ext uri="{909E8E84-426E-40DD-AFC4-6F175D3DCCD1}">
+              <a14:hiddenFill xmlns:a14="http://schemas.microsoft.com/office/drawing/2010/main">
+                <a:solidFill>
+                  <a:srgbClr val="FFFFFF"/>
+                </a:solidFill>
+              </a14:hiddenFill>
+            </a:ext>
+          </a:extLst>
         </p:spPr>
-        <p:txBody>
-          <a:bodyPr wrap="square" rtlCol="0">
-            <a:spAutoFit/>
-          </a:bodyPr>
-          <a:lstStyle/>
-          <a:p>
-            <a:r>
-              <a:rPr lang="en-US" sz="3200" dirty="0" smtClean="0"/>
-              <a:t>Questions?</a:t>
-            </a:r>
-            <a:endParaRPr lang="en-US" sz="3200" dirty="0"/>
-          </a:p>
-        </p:txBody>
-      </p:sp>
+      </p:pic>
     </p:spTree>
     <p:extLst>
       <p:ext uri="{BB962C8B-B14F-4D97-AF65-F5344CB8AC3E}">
-        <p14:creationId xmlns:p14="http://schemas.microsoft.com/office/powerpoint/2010/main" val="3349580380"/>
+        <p14:creationId xmlns:p14="http://schemas.microsoft.com/office/powerpoint/2010/main" val="463754024"/>
       </p:ext>
     </p:extLst>
   </p:cSld>
@@ -4480,4 +5295,299 @@
   <a:objectDefaults/>
   <a:extraClrSchemeLst/>
 </a:theme>
+</file>
+
+<file path=ppt/theme/theme2.xml><?xml version="1.0" encoding="utf-8"?>
+<a:theme xmlns:a="http://schemas.openxmlformats.org/drawingml/2006/main" name="Office Theme">
+  <a:themeElements>
+    <a:clrScheme name="Office">
+      <a:dk1>
+        <a:sysClr val="windowText" lastClr="000000"/>
+      </a:dk1>
+      <a:lt1>
+        <a:sysClr val="window" lastClr="FFFFFF"/>
+      </a:lt1>
+      <a:dk2>
+        <a:srgbClr val="44546A"/>
+      </a:dk2>
+      <a:lt2>
+        <a:srgbClr val="E7E6E6"/>
+      </a:lt2>
+      <a:accent1>
+        <a:srgbClr val="5B9BD5"/>
+      </a:accent1>
+      <a:accent2>
+        <a:srgbClr val="ED7D31"/>
+      </a:accent2>
+      <a:accent3>
+        <a:srgbClr val="A5A5A5"/>
+      </a:accent3>
+      <a:accent4>
+        <a:srgbClr val="FFC000"/>
+      </a:accent4>
+      <a:accent5>
+        <a:srgbClr val="4472C4"/>
+      </a:accent5>
+      <a:accent6>
+        <a:srgbClr val="70AD47"/>
+      </a:accent6>
+      <a:hlink>
+        <a:srgbClr val="0563C1"/>
+      </a:hlink>
+      <a:folHlink>
+        <a:srgbClr val="954F72"/>
+      </a:folHlink>
+    </a:clrScheme>
+    <a:fontScheme name="Office">
+      <a:majorFont>
+        <a:latin typeface="Calibri Light" panose="020F0302020204030204"/>
+        <a:ea typeface=""/>
+        <a:cs typeface=""/>
+        <a:font script="Jpan" typeface="游ゴシック Light"/>
+        <a:font script="Hang" typeface="맑은 고딕"/>
+        <a:font script="Hans" typeface="等线 Light"/>
+        <a:font script="Hant" typeface="新細明體"/>
+        <a:font script="Arab" typeface="Times New Roman"/>
+        <a:font script="Hebr" typeface="Times New Roman"/>
+        <a:font script="Thai" typeface="Angsana New"/>
+        <a:font script="Ethi" typeface="Nyala"/>
+        <a:font script="Beng" typeface="Vrinda"/>
+        <a:font script="Gujr" typeface="Shruti"/>
+        <a:font script="Khmr" typeface="MoolBoran"/>
+        <a:font script="Knda" typeface="Tunga"/>
+        <a:font script="Guru" typeface="Raavi"/>
+        <a:font script="Cans" typeface="Euphemia"/>
+        <a:font script="Cher" typeface="Plantagenet Cherokee"/>
+        <a:font script="Yiii" typeface="Microsoft Yi Baiti"/>
+        <a:font script="Tibt" typeface="Microsoft Himalaya"/>
+        <a:font script="Thaa" typeface="MV Boli"/>
+        <a:font script="Deva" typeface="Mangal"/>
+        <a:font script="Telu" typeface="Gautami"/>
+        <a:font script="Taml" typeface="Latha"/>
+        <a:font script="Syrc" typeface="Estrangelo Edessa"/>
+        <a:font script="Orya" typeface="Kalinga"/>
+        <a:font script="Mlym" typeface="Kartika"/>
+        <a:font script="Laoo" typeface="DokChampa"/>
+        <a:font script="Sinh" typeface="Iskoola Pota"/>
+        <a:font script="Mong" typeface="Mongolian Baiti"/>
+        <a:font script="Viet" typeface="Times New Roman"/>
+        <a:font script="Uigh" typeface="Microsoft Uighur"/>
+        <a:font script="Geor" typeface="Sylfaen"/>
+        <a:font script="Armn" typeface="Arial"/>
+        <a:font script="Bugi" typeface="Leelawadee UI"/>
+        <a:font script="Bopo" typeface="Microsoft JhengHei"/>
+        <a:font script="Java" typeface="Javanese Text"/>
+        <a:font script="Lisu" typeface="Segoe UI"/>
+        <a:font script="Mymr" typeface="Myanmar Text"/>
+        <a:font script="Nkoo" typeface="Ebrima"/>
+        <a:font script="Olck" typeface="Nirmala UI"/>
+        <a:font script="Osma" typeface="Ebrima"/>
+        <a:font script="Phag" typeface="Phagspa"/>
+        <a:font script="Syrn" typeface="Estrangelo Edessa"/>
+        <a:font script="Syrj" typeface="Estrangelo Edessa"/>
+        <a:font script="Syre" typeface="Estrangelo Edessa"/>
+        <a:font script="Sora" typeface="Nirmala UI"/>
+        <a:font script="Tale" typeface="Microsoft Tai Le"/>
+        <a:font script="Talu" typeface="Microsoft New Tai Lue"/>
+        <a:font script="Tfng" typeface="Ebrima"/>
+      </a:majorFont>
+      <a:minorFont>
+        <a:latin typeface="Calibri" panose="020F0502020204030204"/>
+        <a:ea typeface=""/>
+        <a:cs typeface=""/>
+        <a:font script="Jpan" typeface="游ゴシック"/>
+        <a:font script="Hang" typeface="맑은 고딕"/>
+        <a:font script="Hans" typeface="等线"/>
+        <a:font script="Hant" typeface="新細明體"/>
+        <a:font script="Arab" typeface="Arial"/>
+        <a:font script="Hebr" typeface="Arial"/>
+        <a:font script="Thai" typeface="Cordia New"/>
+        <a:font script="Ethi" typeface="Nyala"/>
+        <a:font script="Beng" typeface="Vrinda"/>
+        <a:font script="Gujr" typeface="Shruti"/>
+        <a:font script="Khmr" typeface="DaunPenh"/>
+        <a:font script="Knda" typeface="Tunga"/>
+        <a:font script="Guru" typeface="Raavi"/>
+        <a:font script="Cans" typeface="Euphemia"/>
+        <a:font script="Cher" typeface="Plantagenet Cherokee"/>
+        <a:font script="Yiii" typeface="Microsoft Yi Baiti"/>
+        <a:font script="Tibt" typeface="Microsoft Himalaya"/>
+        <a:font script="Thaa" typeface="MV Boli"/>
+        <a:font script="Deva" typeface="Mangal"/>
+        <a:font script="Telu" typeface="Gautami"/>
+        <a:font script="Taml" typeface="Latha"/>
+        <a:font script="Syrc" typeface="Estrangelo Edessa"/>
+        <a:font script="Orya" typeface="Kalinga"/>
+        <a:font script="Mlym" typeface="Kartika"/>
+        <a:font script="Laoo" typeface="DokChampa"/>
+        <a:font script="Sinh" typeface="Iskoola Pota"/>
+        <a:font script="Mong" typeface="Mongolian Baiti"/>
+        <a:font script="Viet" typeface="Arial"/>
+        <a:font script="Uigh" typeface="Microsoft Uighur"/>
+        <a:font script="Geor" typeface="Sylfaen"/>
+        <a:font script="Armn" typeface="Arial"/>
+        <a:font script="Bugi" typeface="Leelawadee UI"/>
+        <a:font script="Bopo" typeface="Microsoft JhengHei"/>
+        <a:font script="Java" typeface="Javanese Text"/>
+        <a:font script="Lisu" typeface="Segoe UI"/>
+        <a:font script="Mymr" typeface="Myanmar Text"/>
+        <a:font script="Nkoo" typeface="Ebrima"/>
+        <a:font script="Olck" typeface="Nirmala UI"/>
+        <a:font script="Osma" typeface="Ebrima"/>
+        <a:font script="Phag" typeface="Phagspa"/>
+        <a:font script="Syrn" typeface="Estrangelo Edessa"/>
+        <a:font script="Syrj" typeface="Estrangelo Edessa"/>
+        <a:font script="Syre" typeface="Estrangelo Edessa"/>
+        <a:font script="Sora" typeface="Nirmala UI"/>
+        <a:font script="Tale" typeface="Microsoft Tai Le"/>
+        <a:font script="Talu" typeface="Microsoft New Tai Lue"/>
+        <a:font script="Tfng" typeface="Ebrima"/>
+      </a:minorFont>
+    </a:fontScheme>
+    <a:fmtScheme name="Office">
+      <a:fillStyleLst>
+        <a:solidFill>
+          <a:schemeClr val="phClr"/>
+        </a:solidFill>
+        <a:gradFill rotWithShape="1">
+          <a:gsLst>
+            <a:gs pos="0">
+              <a:schemeClr val="phClr">
+                <a:lumMod val="110000"/>
+                <a:satMod val="105000"/>
+                <a:tint val="67000"/>
+              </a:schemeClr>
+            </a:gs>
+            <a:gs pos="50000">
+              <a:schemeClr val="phClr">
+                <a:lumMod val="105000"/>
+                <a:satMod val="103000"/>
+                <a:tint val="73000"/>
+              </a:schemeClr>
+            </a:gs>
+            <a:gs pos="100000">
+              <a:schemeClr val="phClr">
+                <a:lumMod val="105000"/>
+                <a:satMod val="109000"/>
+                <a:tint val="81000"/>
+              </a:schemeClr>
+            </a:gs>
+          </a:gsLst>
+          <a:lin ang="5400000" scaled="0"/>
+        </a:gradFill>
+        <a:gradFill rotWithShape="1">
+          <a:gsLst>
+            <a:gs pos="0">
+              <a:schemeClr val="phClr">
+                <a:satMod val="103000"/>
+                <a:lumMod val="102000"/>
+                <a:tint val="94000"/>
+              </a:schemeClr>
+            </a:gs>
+            <a:gs pos="50000">
+              <a:schemeClr val="phClr">
+                <a:satMod val="110000"/>
+                <a:lumMod val="100000"/>
+                <a:shade val="100000"/>
+              </a:schemeClr>
+            </a:gs>
+            <a:gs pos="100000">
+              <a:schemeClr val="phClr">
+                <a:lumMod val="99000"/>
+                <a:satMod val="120000"/>
+                <a:shade val="78000"/>
+              </a:schemeClr>
+            </a:gs>
+          </a:gsLst>
+          <a:lin ang="5400000" scaled="0"/>
+        </a:gradFill>
+      </a:fillStyleLst>
+      <a:lnStyleLst>
+        <a:ln w="6350" cap="flat" cmpd="sng" algn="ctr">
+          <a:solidFill>
+            <a:schemeClr val="phClr"/>
+          </a:solidFill>
+          <a:prstDash val="solid"/>
+          <a:miter lim="800000"/>
+        </a:ln>
+        <a:ln w="12700" cap="flat" cmpd="sng" algn="ctr">
+          <a:solidFill>
+            <a:schemeClr val="phClr"/>
+          </a:solidFill>
+          <a:prstDash val="solid"/>
+          <a:miter lim="800000"/>
+        </a:ln>
+        <a:ln w="19050" cap="flat" cmpd="sng" algn="ctr">
+          <a:solidFill>
+            <a:schemeClr val="phClr"/>
+          </a:solidFill>
+          <a:prstDash val="solid"/>
+          <a:miter lim="800000"/>
+        </a:ln>
+      </a:lnStyleLst>
+      <a:effectStyleLst>
+        <a:effectStyle>
+          <a:effectLst/>
+        </a:effectStyle>
+        <a:effectStyle>
+          <a:effectLst/>
+        </a:effectStyle>
+        <a:effectStyle>
+          <a:effectLst>
+            <a:outerShdw blurRad="57150" dist="19050" dir="5400000" algn="ctr" rotWithShape="0">
+              <a:srgbClr val="000000">
+                <a:alpha val="63000"/>
+              </a:srgbClr>
+            </a:outerShdw>
+          </a:effectLst>
+        </a:effectStyle>
+      </a:effectStyleLst>
+      <a:bgFillStyleLst>
+        <a:solidFill>
+          <a:schemeClr val="phClr"/>
+        </a:solidFill>
+        <a:solidFill>
+          <a:schemeClr val="phClr">
+            <a:tint val="95000"/>
+            <a:satMod val="170000"/>
+          </a:schemeClr>
+        </a:solidFill>
+        <a:gradFill rotWithShape="1">
+          <a:gsLst>
+            <a:gs pos="0">
+              <a:schemeClr val="phClr">
+                <a:tint val="93000"/>
+                <a:satMod val="150000"/>
+                <a:shade val="98000"/>
+                <a:lumMod val="102000"/>
+              </a:schemeClr>
+            </a:gs>
+            <a:gs pos="50000">
+              <a:schemeClr val="phClr">
+                <a:tint val="98000"/>
+                <a:satMod val="130000"/>
+                <a:shade val="90000"/>
+                <a:lumMod val="103000"/>
+              </a:schemeClr>
+            </a:gs>
+            <a:gs pos="100000">
+              <a:schemeClr val="phClr">
+                <a:shade val="63000"/>
+                <a:satMod val="120000"/>
+              </a:schemeClr>
+            </a:gs>
+          </a:gsLst>
+          <a:lin ang="5400000" scaled="0"/>
+        </a:gradFill>
+      </a:bgFillStyleLst>
+    </a:fmtScheme>
+  </a:themeElements>
+  <a:objectDefaults/>
+  <a:extraClrSchemeLst/>
+  <a:extLst>
+    <a:ext uri="{05A4C25C-085E-4340-85A3-A5531E510DB2}">
+      <thm15:themeFamily xmlns:thm15="http://schemas.microsoft.com/office/thememl/2012/main" name="Office Theme" id="{62F939B6-93AF-4DB8-9C6B-D6C7DFDC589F}" vid="{4A3C46E8-61CC-4603-A589-7422A47A8E4A}"/>
+    </a:ext>
+  </a:extLst>
+</a:theme>
 </file>